--- a/lab_02-dart_101_part_1/lab_02-dart_101_part_1.pptx
+++ b/lab_02-dart_101_part_1/lab_02-dart_101_part_1.pptx
@@ -246,7 +246,7 @@
           <a:p>
             <a:fld id="{81C4B3FE-0320-8142-8396-5C3025C019EC}" type="datetimeFigureOut">
               <a:rPr lang="en-IT" smtClean="0"/>
-              <a:t>03/01/22</a:t>
+              <a:t>04/01/22</a:t>
             </a:fld>
             <a:endParaRPr lang="en-IT"/>
           </a:p>
@@ -18615,15 +18615,11 @@
               <a:rPr lang="en-GB" dirty="0">
                 <a:hlinkClick r:id="rId2"/>
               </a:rPr>
-              <a:t>https://github.com/gcappon/bwthw/lab_02-dart_101_part_1</a:t>
-            </a:r>
-            <a:r>
+              <a:t>https://github.com/gcappon/bwthw/tree/master/lab_02-dart_101_part_1</a:t>
+            </a:r>
+            <a:br>
               <a:rPr lang="en-GB" dirty="0"/>
-              <a:t> </a:t>
-            </a:r>
-          </a:p>
-          <a:p>
-            <a:pPr lvl="1"/>
+            </a:br>
             <a:endParaRPr lang="en-GB" dirty="0"/>
           </a:p>
           <a:p>

--- a/lab_02-dart_101_part_1/lab_02-dart_101_part_1.pptx
+++ b/lab_02-dart_101_part_1/lab_02-dart_101_part_1.pptx
@@ -246,7 +246,7 @@
           <a:p>
             <a:fld id="{81C4B3FE-0320-8142-8396-5C3025C019EC}" type="datetimeFigureOut">
               <a:rPr lang="en-IT" smtClean="0"/>
-              <a:t>04/01/22</a:t>
+              <a:t>05/01/22</a:t>
             </a:fld>
             <a:endParaRPr lang="en-IT"/>
           </a:p>
@@ -18643,6 +18643,25 @@
               <a:buNone/>
             </a:pPr>
             <a:endParaRPr lang="en-GB" dirty="0"/>
+          </a:p>
+          <a:p>
+            <a:r>
+              <a:rPr lang="en-GB" dirty="0"/>
+              <a:t>Dart samples</a:t>
+            </a:r>
+          </a:p>
+          <a:p>
+            <a:pPr lvl="1"/>
+            <a:r>
+              <a:rPr lang="en-GB" dirty="0">
+                <a:hlinkClick r:id="rId4"/>
+              </a:rPr>
+              <a:t>https://dart.dev/samples</a:t>
+            </a:r>
+            <a:r>
+              <a:rPr lang="en-GB" dirty="0"/>
+              <a:t> </a:t>
+            </a:r>
           </a:p>
         </p:txBody>
       </p:sp>

--- a/lab_02-dart_101_part_1/lab_02-dart_101_part_1.pptx
+++ b/lab_02-dart_101_part_1/lab_02-dart_101_part_1.pptx
@@ -249,7 +249,7 @@
           <a:p>
             <a:fld id="{81C4B3FE-0320-8142-8396-5C3025C019EC}" type="datetimeFigureOut">
               <a:rPr lang="en-IT" smtClean="0"/>
-              <a:t>02/03/22</a:t>
+              <a:t>07/03/22</a:t>
             </a:fld>
             <a:endParaRPr lang="en-IT"/>
           </a:p>
@@ -5251,6 +5251,7 @@
     <p:sldLayoutId id="2147483649" r:id="rId3"/>
     <p:sldLayoutId id="2147483654" r:id="rId4"/>
   </p:sldLayoutIdLst>
+  <p:hf hdr="0" ftr="0" dt="0"/>
   <p:txStyles>
     <p:titleStyle>
       <a:lvl1pPr algn="ctr" defTabSz="914400" rtl="0" eaLnBrk="1" latinLnBrk="0" hangingPunct="1">
@@ -5840,6 +5841,35 @@
           </a:p>
         </p:txBody>
       </p:sp>
+      <p:sp>
+        <p:nvSpPr>
+          <p:cNvPr id="4" name="Slide Number Placeholder 3">
+            <a:extLst>
+              <a:ext uri="{FF2B5EF4-FFF2-40B4-BE49-F238E27FC236}">
+                <a16:creationId xmlns:a16="http://schemas.microsoft.com/office/drawing/2014/main" id="{3F2BCCFA-494C-2B4D-9C41-48C33BF63537}"/>
+              </a:ext>
+            </a:extLst>
+          </p:cNvPr>
+          <p:cNvSpPr>
+            <a:spLocks noGrp="1"/>
+          </p:cNvSpPr>
+          <p:nvPr>
+            <p:ph type="sldNum" sz="quarter" idx="12"/>
+          </p:nvPr>
+        </p:nvSpPr>
+        <p:spPr/>
+        <p:txBody>
+          <a:bodyPr/>
+          <a:lstStyle/>
+          <a:p>
+            <a:fld id="{31DE2C5B-556E-47B8-A792-024C2FCA4ACC}" type="slidenum">
+              <a:rPr lang="en-GB" smtClean="0"/>
+              <a:t>10</a:t>
+            </a:fld>
+            <a:endParaRPr lang="en-GB"/>
+          </a:p>
+        </p:txBody>
+      </p:sp>
     </p:spTree>
     <p:extLst>
       <p:ext uri="{BB962C8B-B14F-4D97-AF65-F5344CB8AC3E}">
@@ -5919,7 +5949,7 @@
         <p:spPr>
           <a:xfrm>
             <a:off x="428171" y="1361167"/>
-            <a:ext cx="8101679" cy="5334907"/>
+            <a:ext cx="10579353" cy="5334907"/>
           </a:xfrm>
         </p:spPr>
         <p:txBody>
@@ -5975,7 +6005,7 @@
             </a:r>
             <a:r>
               <a:rPr lang="en-GB" dirty="0"/>
-              <a:t> can be used to create and initialize a constant (run-time level):</a:t>
+              <a:t> can be used to create and initialize a constant (run-time):</a:t>
             </a:r>
           </a:p>
           <a:p>
@@ -5996,7 +6026,7 @@
             </a:r>
             <a:r>
               <a:rPr lang="en-GB" dirty="0"/>
-              <a:t> can be used to create and initialize a constant (compile level):</a:t>
+              <a:t> can be used to create and initialize a constant (compile-time):</a:t>
             </a:r>
           </a:p>
           <a:p>
@@ -6287,6 +6317,35 @@
           </a:p>
         </p:txBody>
       </p:sp>
+      <p:sp>
+        <p:nvSpPr>
+          <p:cNvPr id="4" name="Slide Number Placeholder 3">
+            <a:extLst>
+              <a:ext uri="{FF2B5EF4-FFF2-40B4-BE49-F238E27FC236}">
+                <a16:creationId xmlns:a16="http://schemas.microsoft.com/office/drawing/2014/main" id="{94CF5BD5-C700-BD42-A5B3-84DE63FD4BAA}"/>
+              </a:ext>
+            </a:extLst>
+          </p:cNvPr>
+          <p:cNvSpPr>
+            <a:spLocks noGrp="1"/>
+          </p:cNvSpPr>
+          <p:nvPr>
+            <p:ph type="sldNum" sz="quarter" idx="12"/>
+          </p:nvPr>
+        </p:nvSpPr>
+        <p:spPr/>
+        <p:txBody>
+          <a:bodyPr/>
+          <a:lstStyle/>
+          <a:p>
+            <a:fld id="{31DE2C5B-556E-47B8-A792-024C2FCA4ACC}" type="slidenum">
+              <a:rPr lang="en-GB" smtClean="0"/>
+              <a:t>11</a:t>
+            </a:fld>
+            <a:endParaRPr lang="en-GB"/>
+          </a:p>
+        </p:txBody>
+      </p:sp>
     </p:spTree>
     <p:extLst>
       <p:ext uri="{BB962C8B-B14F-4D97-AF65-F5344CB8AC3E}">
@@ -6506,6 +6565,35 @@
               </a:rPr>
               <a:t>Resources</a:t>
             </a:r>
+          </a:p>
+        </p:txBody>
+      </p:sp>
+      <p:sp>
+        <p:nvSpPr>
+          <p:cNvPr id="4" name="Slide Number Placeholder 3">
+            <a:extLst>
+              <a:ext uri="{FF2B5EF4-FFF2-40B4-BE49-F238E27FC236}">
+                <a16:creationId xmlns:a16="http://schemas.microsoft.com/office/drawing/2014/main" id="{7C540093-B8A8-D74A-9B70-11E2AC21AD93}"/>
+              </a:ext>
+            </a:extLst>
+          </p:cNvPr>
+          <p:cNvSpPr>
+            <a:spLocks noGrp="1"/>
+          </p:cNvSpPr>
+          <p:nvPr>
+            <p:ph type="sldNum" sz="quarter" idx="12"/>
+          </p:nvPr>
+        </p:nvSpPr>
+        <p:spPr/>
+        <p:txBody>
+          <a:bodyPr/>
+          <a:lstStyle/>
+          <a:p>
+            <a:fld id="{31DE2C5B-556E-47B8-A792-024C2FCA4ACC}" type="slidenum">
+              <a:rPr lang="en-GB" smtClean="0"/>
+              <a:t>12</a:t>
+            </a:fld>
+            <a:endParaRPr lang="en-GB"/>
           </a:p>
         </p:txBody>
       </p:sp>
@@ -6900,6 +6988,35 @@
           </a:p>
         </p:txBody>
       </p:sp>
+      <p:sp>
+        <p:nvSpPr>
+          <p:cNvPr id="4" name="Slide Number Placeholder 3">
+            <a:extLst>
+              <a:ext uri="{FF2B5EF4-FFF2-40B4-BE49-F238E27FC236}">
+                <a16:creationId xmlns:a16="http://schemas.microsoft.com/office/drawing/2014/main" id="{4EEF0B24-70D1-2446-840D-35A6D989DB45}"/>
+              </a:ext>
+            </a:extLst>
+          </p:cNvPr>
+          <p:cNvSpPr>
+            <a:spLocks noGrp="1"/>
+          </p:cNvSpPr>
+          <p:nvPr>
+            <p:ph type="sldNum" sz="quarter" idx="12"/>
+          </p:nvPr>
+        </p:nvSpPr>
+        <p:spPr/>
+        <p:txBody>
+          <a:bodyPr/>
+          <a:lstStyle/>
+          <a:p>
+            <a:fld id="{31DE2C5B-556E-47B8-A792-024C2FCA4ACC}" type="slidenum">
+              <a:rPr lang="en-GB" smtClean="0"/>
+              <a:t>13</a:t>
+            </a:fld>
+            <a:endParaRPr lang="en-GB"/>
+          </a:p>
+        </p:txBody>
+      </p:sp>
     </p:spTree>
     <p:extLst>
       <p:ext uri="{BB962C8B-B14F-4D97-AF65-F5344CB8AC3E}">
@@ -7114,6 +7231,35 @@
               </a:rPr>
               <a:t>Resources</a:t>
             </a:r>
+          </a:p>
+        </p:txBody>
+      </p:sp>
+      <p:sp>
+        <p:nvSpPr>
+          <p:cNvPr id="4" name="Slide Number Placeholder 3">
+            <a:extLst>
+              <a:ext uri="{FF2B5EF4-FFF2-40B4-BE49-F238E27FC236}">
+                <a16:creationId xmlns:a16="http://schemas.microsoft.com/office/drawing/2014/main" id="{F0D00AFB-DA97-084C-9388-DE84EEF3DC53}"/>
+              </a:ext>
+            </a:extLst>
+          </p:cNvPr>
+          <p:cNvSpPr>
+            <a:spLocks noGrp="1"/>
+          </p:cNvSpPr>
+          <p:nvPr>
+            <p:ph type="sldNum" sz="quarter" idx="12"/>
+          </p:nvPr>
+        </p:nvSpPr>
+        <p:spPr/>
+        <p:txBody>
+          <a:bodyPr/>
+          <a:lstStyle/>
+          <a:p>
+            <a:fld id="{31DE2C5B-556E-47B8-A792-024C2FCA4ACC}" type="slidenum">
+              <a:rPr lang="en-GB" smtClean="0"/>
+              <a:t>14</a:t>
+            </a:fld>
+            <a:endParaRPr lang="en-GB"/>
           </a:p>
         </p:txBody>
       </p:sp>
@@ -7599,6 +7745,35 @@
           </a:p>
         </p:txBody>
       </p:sp>
+      <p:sp>
+        <p:nvSpPr>
+          <p:cNvPr id="4" name="Slide Number Placeholder 3">
+            <a:extLst>
+              <a:ext uri="{FF2B5EF4-FFF2-40B4-BE49-F238E27FC236}">
+                <a16:creationId xmlns:a16="http://schemas.microsoft.com/office/drawing/2014/main" id="{F6BF8CE9-8079-654C-97C5-40699AE06A04}"/>
+              </a:ext>
+            </a:extLst>
+          </p:cNvPr>
+          <p:cNvSpPr>
+            <a:spLocks noGrp="1"/>
+          </p:cNvSpPr>
+          <p:nvPr>
+            <p:ph type="sldNum" sz="quarter" idx="12"/>
+          </p:nvPr>
+        </p:nvSpPr>
+        <p:spPr/>
+        <p:txBody>
+          <a:bodyPr/>
+          <a:lstStyle/>
+          <a:p>
+            <a:fld id="{31DE2C5B-556E-47B8-A792-024C2FCA4ACC}" type="slidenum">
+              <a:rPr lang="en-GB" smtClean="0"/>
+              <a:t>15</a:t>
+            </a:fld>
+            <a:endParaRPr lang="en-GB"/>
+          </a:p>
+        </p:txBody>
+      </p:sp>
     </p:spTree>
     <p:extLst>
       <p:ext uri="{BB962C8B-B14F-4D97-AF65-F5344CB8AC3E}">
@@ -7851,6 +8026,35 @@
           </a:p>
         </p:txBody>
       </p:sp>
+      <p:sp>
+        <p:nvSpPr>
+          <p:cNvPr id="4" name="Slide Number Placeholder 3">
+            <a:extLst>
+              <a:ext uri="{FF2B5EF4-FFF2-40B4-BE49-F238E27FC236}">
+                <a16:creationId xmlns:a16="http://schemas.microsoft.com/office/drawing/2014/main" id="{D475E824-581A-1843-8046-5333947583CE}"/>
+              </a:ext>
+            </a:extLst>
+          </p:cNvPr>
+          <p:cNvSpPr>
+            <a:spLocks noGrp="1"/>
+          </p:cNvSpPr>
+          <p:nvPr>
+            <p:ph type="sldNum" sz="quarter" idx="12"/>
+          </p:nvPr>
+        </p:nvSpPr>
+        <p:spPr/>
+        <p:txBody>
+          <a:bodyPr/>
+          <a:lstStyle/>
+          <a:p>
+            <a:fld id="{31DE2C5B-556E-47B8-A792-024C2FCA4ACC}" type="slidenum">
+              <a:rPr lang="en-GB" smtClean="0"/>
+              <a:t>16</a:t>
+            </a:fld>
+            <a:endParaRPr lang="en-GB"/>
+          </a:p>
+        </p:txBody>
+      </p:sp>
     </p:spTree>
     <p:extLst>
       <p:ext uri="{BB962C8B-B14F-4D97-AF65-F5344CB8AC3E}">
@@ -8030,6 +8234,35 @@
           </a:p>
         </p:txBody>
       </p:sp>
+      <p:sp>
+        <p:nvSpPr>
+          <p:cNvPr id="4" name="Slide Number Placeholder 3">
+            <a:extLst>
+              <a:ext uri="{FF2B5EF4-FFF2-40B4-BE49-F238E27FC236}">
+                <a16:creationId xmlns:a16="http://schemas.microsoft.com/office/drawing/2014/main" id="{E37E19B1-432E-E240-96D0-2D4FC58106E0}"/>
+              </a:ext>
+            </a:extLst>
+          </p:cNvPr>
+          <p:cNvSpPr>
+            <a:spLocks noGrp="1"/>
+          </p:cNvSpPr>
+          <p:nvPr>
+            <p:ph type="sldNum" sz="quarter" idx="12"/>
+          </p:nvPr>
+        </p:nvSpPr>
+        <p:spPr/>
+        <p:txBody>
+          <a:bodyPr/>
+          <a:lstStyle/>
+          <a:p>
+            <a:fld id="{31DE2C5B-556E-47B8-A792-024C2FCA4ACC}" type="slidenum">
+              <a:rPr lang="en-GB" smtClean="0"/>
+              <a:t>17</a:t>
+            </a:fld>
+            <a:endParaRPr lang="en-GB"/>
+          </a:p>
+        </p:txBody>
+      </p:sp>
     </p:spTree>
     <p:extLst>
       <p:ext uri="{BB962C8B-B14F-4D97-AF65-F5344CB8AC3E}">
@@ -8275,6 +8508,35 @@
           </a:p>
         </p:txBody>
       </p:sp>
+      <p:sp>
+        <p:nvSpPr>
+          <p:cNvPr id="4" name="Slide Number Placeholder 3">
+            <a:extLst>
+              <a:ext uri="{FF2B5EF4-FFF2-40B4-BE49-F238E27FC236}">
+                <a16:creationId xmlns:a16="http://schemas.microsoft.com/office/drawing/2014/main" id="{9F185BC9-A4E3-AB4A-AD7C-A6C3DDD39F2C}"/>
+              </a:ext>
+            </a:extLst>
+          </p:cNvPr>
+          <p:cNvSpPr>
+            <a:spLocks noGrp="1"/>
+          </p:cNvSpPr>
+          <p:nvPr>
+            <p:ph type="sldNum" sz="quarter" idx="12"/>
+          </p:nvPr>
+        </p:nvSpPr>
+        <p:spPr/>
+        <p:txBody>
+          <a:bodyPr/>
+          <a:lstStyle/>
+          <a:p>
+            <a:fld id="{31DE2C5B-556E-47B8-A792-024C2FCA4ACC}" type="slidenum">
+              <a:rPr lang="en-GB" smtClean="0"/>
+              <a:t>18</a:t>
+            </a:fld>
+            <a:endParaRPr lang="en-GB"/>
+          </a:p>
+        </p:txBody>
+      </p:sp>
     </p:spTree>
     <p:extLst>
       <p:ext uri="{BB962C8B-B14F-4D97-AF65-F5344CB8AC3E}">
@@ -8397,6 +8659,35 @@
           </a:p>
         </p:txBody>
       </p:sp>
+      <p:sp>
+        <p:nvSpPr>
+          <p:cNvPr id="4" name="Slide Number Placeholder 3">
+            <a:extLst>
+              <a:ext uri="{FF2B5EF4-FFF2-40B4-BE49-F238E27FC236}">
+                <a16:creationId xmlns:a16="http://schemas.microsoft.com/office/drawing/2014/main" id="{AA13A636-9B16-FA4B-8335-55BF06BCC234}"/>
+              </a:ext>
+            </a:extLst>
+          </p:cNvPr>
+          <p:cNvSpPr>
+            <a:spLocks noGrp="1"/>
+          </p:cNvSpPr>
+          <p:nvPr>
+            <p:ph type="sldNum" sz="quarter" idx="12"/>
+          </p:nvPr>
+        </p:nvSpPr>
+        <p:spPr/>
+        <p:txBody>
+          <a:bodyPr/>
+          <a:lstStyle/>
+          <a:p>
+            <a:fld id="{31DE2C5B-556E-47B8-A792-024C2FCA4ACC}" type="slidenum">
+              <a:rPr lang="en-GB" smtClean="0"/>
+              <a:t>19</a:t>
+            </a:fld>
+            <a:endParaRPr lang="en-GB"/>
+          </a:p>
+        </p:txBody>
+      </p:sp>
     </p:spTree>
     <p:extLst>
       <p:ext uri="{BB962C8B-B14F-4D97-AF65-F5344CB8AC3E}">
@@ -8560,6 +8851,35 @@
           </a:p>
         </p:txBody>
       </p:sp>
+      <p:sp>
+        <p:nvSpPr>
+          <p:cNvPr id="4" name="Slide Number Placeholder 3">
+            <a:extLst>
+              <a:ext uri="{FF2B5EF4-FFF2-40B4-BE49-F238E27FC236}">
+                <a16:creationId xmlns:a16="http://schemas.microsoft.com/office/drawing/2014/main" id="{529DEC61-9C6A-A74F-BB51-49F74896AF3E}"/>
+              </a:ext>
+            </a:extLst>
+          </p:cNvPr>
+          <p:cNvSpPr>
+            <a:spLocks noGrp="1"/>
+          </p:cNvSpPr>
+          <p:nvPr>
+            <p:ph type="sldNum" sz="quarter" idx="12"/>
+          </p:nvPr>
+        </p:nvSpPr>
+        <p:spPr/>
+        <p:txBody>
+          <a:bodyPr/>
+          <a:lstStyle/>
+          <a:p>
+            <a:fld id="{31DE2C5B-556E-47B8-A792-024C2FCA4ACC}" type="slidenum">
+              <a:rPr lang="en-GB" smtClean="0"/>
+              <a:t>2</a:t>
+            </a:fld>
+            <a:endParaRPr lang="en-GB"/>
+          </a:p>
+        </p:txBody>
+      </p:sp>
     </p:spTree>
     <p:extLst>
       <p:ext uri="{BB962C8B-B14F-4D97-AF65-F5344CB8AC3E}">
@@ -8896,6 +9216,35 @@
           </a:p>
         </p:txBody>
       </p:sp>
+      <p:sp>
+        <p:nvSpPr>
+          <p:cNvPr id="4" name="Slide Number Placeholder 3">
+            <a:extLst>
+              <a:ext uri="{FF2B5EF4-FFF2-40B4-BE49-F238E27FC236}">
+                <a16:creationId xmlns:a16="http://schemas.microsoft.com/office/drawing/2014/main" id="{DD9C054E-38C2-814C-9411-23BC79AA0CA6}"/>
+              </a:ext>
+            </a:extLst>
+          </p:cNvPr>
+          <p:cNvSpPr>
+            <a:spLocks noGrp="1"/>
+          </p:cNvSpPr>
+          <p:nvPr>
+            <p:ph type="sldNum" sz="quarter" idx="12"/>
+          </p:nvPr>
+        </p:nvSpPr>
+        <p:spPr/>
+        <p:txBody>
+          <a:bodyPr/>
+          <a:lstStyle/>
+          <a:p>
+            <a:fld id="{31DE2C5B-556E-47B8-A792-024C2FCA4ACC}" type="slidenum">
+              <a:rPr lang="en-GB" smtClean="0"/>
+              <a:t>20</a:t>
+            </a:fld>
+            <a:endParaRPr lang="en-GB"/>
+          </a:p>
+        </p:txBody>
+      </p:sp>
     </p:spTree>
     <p:extLst>
       <p:ext uri="{BB962C8B-B14F-4D97-AF65-F5344CB8AC3E}">
@@ -9099,6 +9448,35 @@
               </a:rPr>
               <a:t>}’); //This will print [2,4,6]</a:t>
             </a:r>
+          </a:p>
+        </p:txBody>
+      </p:sp>
+      <p:sp>
+        <p:nvSpPr>
+          <p:cNvPr id="4" name="Slide Number Placeholder 3">
+            <a:extLst>
+              <a:ext uri="{FF2B5EF4-FFF2-40B4-BE49-F238E27FC236}">
+                <a16:creationId xmlns:a16="http://schemas.microsoft.com/office/drawing/2014/main" id="{A0E6C0FE-FAD0-1D49-A25E-E3F0C4BC8587}"/>
+              </a:ext>
+            </a:extLst>
+          </p:cNvPr>
+          <p:cNvSpPr>
+            <a:spLocks noGrp="1"/>
+          </p:cNvSpPr>
+          <p:nvPr>
+            <p:ph type="sldNum" sz="quarter" idx="12"/>
+          </p:nvPr>
+        </p:nvSpPr>
+        <p:spPr/>
+        <p:txBody>
+          <a:bodyPr/>
+          <a:lstStyle/>
+          <a:p>
+            <a:fld id="{31DE2C5B-556E-47B8-A792-024C2FCA4ACC}" type="slidenum">
+              <a:rPr lang="en-GB" smtClean="0"/>
+              <a:t>21</a:t>
+            </a:fld>
+            <a:endParaRPr lang="en-GB"/>
           </a:p>
         </p:txBody>
       </p:sp>
@@ -9622,6 +10000,35 @@
           </a:p>
         </p:txBody>
       </p:sp>
+      <p:sp>
+        <p:nvSpPr>
+          <p:cNvPr id="4" name="Slide Number Placeholder 3">
+            <a:extLst>
+              <a:ext uri="{FF2B5EF4-FFF2-40B4-BE49-F238E27FC236}">
+                <a16:creationId xmlns:a16="http://schemas.microsoft.com/office/drawing/2014/main" id="{DE9D4A91-64E0-5045-9B41-868F9612E804}"/>
+              </a:ext>
+            </a:extLst>
+          </p:cNvPr>
+          <p:cNvSpPr>
+            <a:spLocks noGrp="1"/>
+          </p:cNvSpPr>
+          <p:nvPr>
+            <p:ph type="sldNum" sz="quarter" idx="12"/>
+          </p:nvPr>
+        </p:nvSpPr>
+        <p:spPr/>
+        <p:txBody>
+          <a:bodyPr/>
+          <a:lstStyle/>
+          <a:p>
+            <a:fld id="{31DE2C5B-556E-47B8-A792-024C2FCA4ACC}" type="slidenum">
+              <a:rPr lang="en-GB" smtClean="0"/>
+              <a:t>22</a:t>
+            </a:fld>
+            <a:endParaRPr lang="en-GB"/>
+          </a:p>
+        </p:txBody>
+      </p:sp>
     </p:spTree>
     <p:extLst>
       <p:ext uri="{BB962C8B-B14F-4D97-AF65-F5344CB8AC3E}">
@@ -9839,6 +10246,35 @@
           </a:p>
         </p:txBody>
       </p:sp>
+      <p:sp>
+        <p:nvSpPr>
+          <p:cNvPr id="4" name="Slide Number Placeholder 3">
+            <a:extLst>
+              <a:ext uri="{FF2B5EF4-FFF2-40B4-BE49-F238E27FC236}">
+                <a16:creationId xmlns:a16="http://schemas.microsoft.com/office/drawing/2014/main" id="{630DE8E9-2EC2-014A-9F1C-FE9A590F984F}"/>
+              </a:ext>
+            </a:extLst>
+          </p:cNvPr>
+          <p:cNvSpPr>
+            <a:spLocks noGrp="1"/>
+          </p:cNvSpPr>
+          <p:nvPr>
+            <p:ph type="sldNum" sz="quarter" idx="12"/>
+          </p:nvPr>
+        </p:nvSpPr>
+        <p:spPr/>
+        <p:txBody>
+          <a:bodyPr/>
+          <a:lstStyle/>
+          <a:p>
+            <a:fld id="{31DE2C5B-556E-47B8-A792-024C2FCA4ACC}" type="slidenum">
+              <a:rPr lang="en-GB" smtClean="0"/>
+              <a:t>23</a:t>
+            </a:fld>
+            <a:endParaRPr lang="en-GB"/>
+          </a:p>
+        </p:txBody>
+      </p:sp>
     </p:spTree>
     <p:extLst>
       <p:ext uri="{BB962C8B-B14F-4D97-AF65-F5344CB8AC3E}">
@@ -10348,6 +10784,35 @@
           </a:p>
         </p:txBody>
       </p:sp>
+      <p:sp>
+        <p:nvSpPr>
+          <p:cNvPr id="4" name="Slide Number Placeholder 3">
+            <a:extLst>
+              <a:ext uri="{FF2B5EF4-FFF2-40B4-BE49-F238E27FC236}">
+                <a16:creationId xmlns:a16="http://schemas.microsoft.com/office/drawing/2014/main" id="{F2925E69-0D1A-784A-9511-5D676F094E1A}"/>
+              </a:ext>
+            </a:extLst>
+          </p:cNvPr>
+          <p:cNvSpPr>
+            <a:spLocks noGrp="1"/>
+          </p:cNvSpPr>
+          <p:nvPr>
+            <p:ph type="sldNum" sz="quarter" idx="12"/>
+          </p:nvPr>
+        </p:nvSpPr>
+        <p:spPr/>
+        <p:txBody>
+          <a:bodyPr/>
+          <a:lstStyle/>
+          <a:p>
+            <a:fld id="{31DE2C5B-556E-47B8-A792-024C2FCA4ACC}" type="slidenum">
+              <a:rPr lang="en-GB" smtClean="0"/>
+              <a:t>24</a:t>
+            </a:fld>
+            <a:endParaRPr lang="en-GB"/>
+          </a:p>
+        </p:txBody>
+      </p:sp>
     </p:spTree>
     <p:extLst>
       <p:ext uri="{BB962C8B-B14F-4D97-AF65-F5344CB8AC3E}">
@@ -10640,6 +11105,35 @@
           </a:p>
         </p:txBody>
       </p:sp>
+      <p:sp>
+        <p:nvSpPr>
+          <p:cNvPr id="4" name="Slide Number Placeholder 3">
+            <a:extLst>
+              <a:ext uri="{FF2B5EF4-FFF2-40B4-BE49-F238E27FC236}">
+                <a16:creationId xmlns:a16="http://schemas.microsoft.com/office/drawing/2014/main" id="{96024B27-2666-034D-BBD9-46EB9A312904}"/>
+              </a:ext>
+            </a:extLst>
+          </p:cNvPr>
+          <p:cNvSpPr>
+            <a:spLocks noGrp="1"/>
+          </p:cNvSpPr>
+          <p:nvPr>
+            <p:ph type="sldNum" sz="quarter" idx="12"/>
+          </p:nvPr>
+        </p:nvSpPr>
+        <p:spPr/>
+        <p:txBody>
+          <a:bodyPr/>
+          <a:lstStyle/>
+          <a:p>
+            <a:fld id="{31DE2C5B-556E-47B8-A792-024C2FCA4ACC}" type="slidenum">
+              <a:rPr lang="en-GB" smtClean="0"/>
+              <a:t>25</a:t>
+            </a:fld>
+            <a:endParaRPr lang="en-GB"/>
+          </a:p>
+        </p:txBody>
+      </p:sp>
     </p:spTree>
     <p:extLst>
       <p:ext uri="{BB962C8B-B14F-4D97-AF65-F5344CB8AC3E}">
@@ -10946,6 +11440,35 @@
           </a:p>
         </p:txBody>
       </p:sp>
+      <p:sp>
+        <p:nvSpPr>
+          <p:cNvPr id="4" name="Slide Number Placeholder 3">
+            <a:extLst>
+              <a:ext uri="{FF2B5EF4-FFF2-40B4-BE49-F238E27FC236}">
+                <a16:creationId xmlns:a16="http://schemas.microsoft.com/office/drawing/2014/main" id="{343DF3DD-0726-EF4B-9A23-334AE1748E9A}"/>
+              </a:ext>
+            </a:extLst>
+          </p:cNvPr>
+          <p:cNvSpPr>
+            <a:spLocks noGrp="1"/>
+          </p:cNvSpPr>
+          <p:nvPr>
+            <p:ph type="sldNum" sz="quarter" idx="12"/>
+          </p:nvPr>
+        </p:nvSpPr>
+        <p:spPr/>
+        <p:txBody>
+          <a:bodyPr/>
+          <a:lstStyle/>
+          <a:p>
+            <a:fld id="{31DE2C5B-556E-47B8-A792-024C2FCA4ACC}" type="slidenum">
+              <a:rPr lang="en-GB" smtClean="0"/>
+              <a:t>26</a:t>
+            </a:fld>
+            <a:endParaRPr lang="en-GB"/>
+          </a:p>
+        </p:txBody>
+      </p:sp>
     </p:spTree>
     <p:extLst>
       <p:ext uri="{BB962C8B-B14F-4D97-AF65-F5344CB8AC3E}">
@@ -11250,6 +11773,35 @@
               <a:buNone/>
             </a:pPr>
             <a:endParaRPr lang="en-GB" dirty="0"/>
+          </a:p>
+        </p:txBody>
+      </p:sp>
+      <p:sp>
+        <p:nvSpPr>
+          <p:cNvPr id="4" name="Slide Number Placeholder 3">
+            <a:extLst>
+              <a:ext uri="{FF2B5EF4-FFF2-40B4-BE49-F238E27FC236}">
+                <a16:creationId xmlns:a16="http://schemas.microsoft.com/office/drawing/2014/main" id="{E0508864-C70F-9446-AAC8-209A21586357}"/>
+              </a:ext>
+            </a:extLst>
+          </p:cNvPr>
+          <p:cNvSpPr>
+            <a:spLocks noGrp="1"/>
+          </p:cNvSpPr>
+          <p:nvPr>
+            <p:ph type="sldNum" sz="quarter" idx="12"/>
+          </p:nvPr>
+        </p:nvSpPr>
+        <p:spPr/>
+        <p:txBody>
+          <a:bodyPr/>
+          <a:lstStyle/>
+          <a:p>
+            <a:fld id="{31DE2C5B-556E-47B8-A792-024C2FCA4ACC}" type="slidenum">
+              <a:rPr lang="en-GB" smtClean="0"/>
+              <a:t>27</a:t>
+            </a:fld>
+            <a:endParaRPr lang="en-GB"/>
           </a:p>
         </p:txBody>
       </p:sp>
@@ -11857,6 +12409,35 @@
           </a:p>
         </p:txBody>
       </p:sp>
+      <p:sp>
+        <p:nvSpPr>
+          <p:cNvPr id="4" name="Slide Number Placeholder 3">
+            <a:extLst>
+              <a:ext uri="{FF2B5EF4-FFF2-40B4-BE49-F238E27FC236}">
+                <a16:creationId xmlns:a16="http://schemas.microsoft.com/office/drawing/2014/main" id="{16E389FC-0A0E-C042-9D86-FD68209876D7}"/>
+              </a:ext>
+            </a:extLst>
+          </p:cNvPr>
+          <p:cNvSpPr>
+            <a:spLocks noGrp="1"/>
+          </p:cNvSpPr>
+          <p:nvPr>
+            <p:ph type="sldNum" sz="quarter" idx="12"/>
+          </p:nvPr>
+        </p:nvSpPr>
+        <p:spPr/>
+        <p:txBody>
+          <a:bodyPr/>
+          <a:lstStyle/>
+          <a:p>
+            <a:fld id="{31DE2C5B-556E-47B8-A792-024C2FCA4ACC}" type="slidenum">
+              <a:rPr lang="en-GB" smtClean="0"/>
+              <a:t>28</a:t>
+            </a:fld>
+            <a:endParaRPr lang="en-GB"/>
+          </a:p>
+        </p:txBody>
+      </p:sp>
     </p:spTree>
     <p:extLst>
       <p:ext uri="{BB962C8B-B14F-4D97-AF65-F5344CB8AC3E}">
@@ -12084,6 +12665,35 @@
           </a:p>
         </p:txBody>
       </p:sp>
+      <p:sp>
+        <p:nvSpPr>
+          <p:cNvPr id="4" name="Slide Number Placeholder 3">
+            <a:extLst>
+              <a:ext uri="{FF2B5EF4-FFF2-40B4-BE49-F238E27FC236}">
+                <a16:creationId xmlns:a16="http://schemas.microsoft.com/office/drawing/2014/main" id="{1EE0BDE6-2CA6-554E-AD78-320E9D0B5B81}"/>
+              </a:ext>
+            </a:extLst>
+          </p:cNvPr>
+          <p:cNvSpPr>
+            <a:spLocks noGrp="1"/>
+          </p:cNvSpPr>
+          <p:nvPr>
+            <p:ph type="sldNum" sz="quarter" idx="12"/>
+          </p:nvPr>
+        </p:nvSpPr>
+        <p:spPr/>
+        <p:txBody>
+          <a:bodyPr/>
+          <a:lstStyle/>
+          <a:p>
+            <a:fld id="{31DE2C5B-556E-47B8-A792-024C2FCA4ACC}" type="slidenum">
+              <a:rPr lang="en-GB" smtClean="0"/>
+              <a:t>29</a:t>
+            </a:fld>
+            <a:endParaRPr lang="en-GB"/>
+          </a:p>
+        </p:txBody>
+      </p:sp>
     </p:spTree>
     <p:extLst>
       <p:ext uri="{BB962C8B-B14F-4D97-AF65-F5344CB8AC3E}">
@@ -12301,6 +12911,35 @@
           </a:p>
         </p:txBody>
       </p:sp>
+      <p:sp>
+        <p:nvSpPr>
+          <p:cNvPr id="4" name="Slide Number Placeholder 3">
+            <a:extLst>
+              <a:ext uri="{FF2B5EF4-FFF2-40B4-BE49-F238E27FC236}">
+                <a16:creationId xmlns:a16="http://schemas.microsoft.com/office/drawing/2014/main" id="{414309D4-93CC-AF41-8C1E-5F27221FAFA4}"/>
+              </a:ext>
+            </a:extLst>
+          </p:cNvPr>
+          <p:cNvSpPr>
+            <a:spLocks noGrp="1"/>
+          </p:cNvSpPr>
+          <p:nvPr>
+            <p:ph type="sldNum" sz="quarter" idx="12"/>
+          </p:nvPr>
+        </p:nvSpPr>
+        <p:spPr/>
+        <p:txBody>
+          <a:bodyPr/>
+          <a:lstStyle/>
+          <a:p>
+            <a:fld id="{31DE2C5B-556E-47B8-A792-024C2FCA4ACC}" type="slidenum">
+              <a:rPr lang="en-GB" smtClean="0"/>
+              <a:t>3</a:t>
+            </a:fld>
+            <a:endParaRPr lang="en-GB"/>
+          </a:p>
+        </p:txBody>
+      </p:sp>
     </p:spTree>
     <p:extLst>
       <p:ext uri="{BB962C8B-B14F-4D97-AF65-F5344CB8AC3E}">
@@ -12453,6 +13092,35 @@
           </a:p>
         </p:txBody>
       </p:sp>
+      <p:sp>
+        <p:nvSpPr>
+          <p:cNvPr id="4" name="Slide Number Placeholder 3">
+            <a:extLst>
+              <a:ext uri="{FF2B5EF4-FFF2-40B4-BE49-F238E27FC236}">
+                <a16:creationId xmlns:a16="http://schemas.microsoft.com/office/drawing/2014/main" id="{AB52FA4A-46CE-B445-969C-3E0EA6683889}"/>
+              </a:ext>
+            </a:extLst>
+          </p:cNvPr>
+          <p:cNvSpPr>
+            <a:spLocks noGrp="1"/>
+          </p:cNvSpPr>
+          <p:nvPr>
+            <p:ph type="sldNum" sz="quarter" idx="12"/>
+          </p:nvPr>
+        </p:nvSpPr>
+        <p:spPr/>
+        <p:txBody>
+          <a:bodyPr/>
+          <a:lstStyle/>
+          <a:p>
+            <a:fld id="{31DE2C5B-556E-47B8-A792-024C2FCA4ACC}" type="slidenum">
+              <a:rPr lang="en-GB" smtClean="0"/>
+              <a:t>30</a:t>
+            </a:fld>
+            <a:endParaRPr lang="en-GB"/>
+          </a:p>
+        </p:txBody>
+      </p:sp>
     </p:spTree>
     <p:extLst>
       <p:ext uri="{BB962C8B-B14F-4D97-AF65-F5344CB8AC3E}">
@@ -12834,6 +13502,35 @@
           </a:p>
         </p:txBody>
       </p:sp>
+      <p:sp>
+        <p:nvSpPr>
+          <p:cNvPr id="4" name="Slide Number Placeholder 3">
+            <a:extLst>
+              <a:ext uri="{FF2B5EF4-FFF2-40B4-BE49-F238E27FC236}">
+                <a16:creationId xmlns:a16="http://schemas.microsoft.com/office/drawing/2014/main" id="{A8375E24-0BBC-0445-897F-477A43E0B4CA}"/>
+              </a:ext>
+            </a:extLst>
+          </p:cNvPr>
+          <p:cNvSpPr>
+            <a:spLocks noGrp="1"/>
+          </p:cNvSpPr>
+          <p:nvPr>
+            <p:ph type="sldNum" sz="quarter" idx="12"/>
+          </p:nvPr>
+        </p:nvSpPr>
+        <p:spPr/>
+        <p:txBody>
+          <a:bodyPr/>
+          <a:lstStyle/>
+          <a:p>
+            <a:fld id="{31DE2C5B-556E-47B8-A792-024C2FCA4ACC}" type="slidenum">
+              <a:rPr lang="en-GB" smtClean="0"/>
+              <a:t>31</a:t>
+            </a:fld>
+            <a:endParaRPr lang="en-GB"/>
+          </a:p>
+        </p:txBody>
+      </p:sp>
     </p:spTree>
     <p:extLst>
       <p:ext uri="{BB962C8B-B14F-4D97-AF65-F5344CB8AC3E}">
@@ -13085,6 +13782,35 @@
           </a:p>
         </p:txBody>
       </p:sp>
+      <p:sp>
+        <p:nvSpPr>
+          <p:cNvPr id="4" name="Slide Number Placeholder 3">
+            <a:extLst>
+              <a:ext uri="{FF2B5EF4-FFF2-40B4-BE49-F238E27FC236}">
+                <a16:creationId xmlns:a16="http://schemas.microsoft.com/office/drawing/2014/main" id="{9B5158FD-4999-0B4E-AA00-F12A9588A74D}"/>
+              </a:ext>
+            </a:extLst>
+          </p:cNvPr>
+          <p:cNvSpPr>
+            <a:spLocks noGrp="1"/>
+          </p:cNvSpPr>
+          <p:nvPr>
+            <p:ph type="sldNum" sz="quarter" idx="12"/>
+          </p:nvPr>
+        </p:nvSpPr>
+        <p:spPr/>
+        <p:txBody>
+          <a:bodyPr/>
+          <a:lstStyle/>
+          <a:p>
+            <a:fld id="{31DE2C5B-556E-47B8-A792-024C2FCA4ACC}" type="slidenum">
+              <a:rPr lang="en-GB" smtClean="0"/>
+              <a:t>32</a:t>
+            </a:fld>
+            <a:endParaRPr lang="en-GB"/>
+          </a:p>
+        </p:txBody>
+      </p:sp>
     </p:spTree>
     <p:extLst>
       <p:ext uri="{BB962C8B-B14F-4D97-AF65-F5344CB8AC3E}">
@@ -13331,6 +14057,35 @@
           </a:p>
         </p:txBody>
       </p:sp>
+      <p:sp>
+        <p:nvSpPr>
+          <p:cNvPr id="4" name="Slide Number Placeholder 3">
+            <a:extLst>
+              <a:ext uri="{FF2B5EF4-FFF2-40B4-BE49-F238E27FC236}">
+                <a16:creationId xmlns:a16="http://schemas.microsoft.com/office/drawing/2014/main" id="{C0CF7E93-CE88-A240-A6B3-5A5EA38F6BC0}"/>
+              </a:ext>
+            </a:extLst>
+          </p:cNvPr>
+          <p:cNvSpPr>
+            <a:spLocks noGrp="1"/>
+          </p:cNvSpPr>
+          <p:nvPr>
+            <p:ph type="sldNum" sz="quarter" idx="12"/>
+          </p:nvPr>
+        </p:nvSpPr>
+        <p:spPr/>
+        <p:txBody>
+          <a:bodyPr/>
+          <a:lstStyle/>
+          <a:p>
+            <a:fld id="{31DE2C5B-556E-47B8-A792-024C2FCA4ACC}" type="slidenum">
+              <a:rPr lang="en-GB" smtClean="0"/>
+              <a:t>33</a:t>
+            </a:fld>
+            <a:endParaRPr lang="en-GB"/>
+          </a:p>
+        </p:txBody>
+      </p:sp>
     </p:spTree>
     <p:extLst>
       <p:ext uri="{BB962C8B-B14F-4D97-AF65-F5344CB8AC3E}">
@@ -13552,6 +14307,35 @@
             <a:endParaRPr lang="en-GB" dirty="0">
               <a:latin typeface="Courier" pitchFamily="2" charset="0"/>
             </a:endParaRPr>
+          </a:p>
+        </p:txBody>
+      </p:sp>
+      <p:sp>
+        <p:nvSpPr>
+          <p:cNvPr id="4" name="Slide Number Placeholder 3">
+            <a:extLst>
+              <a:ext uri="{FF2B5EF4-FFF2-40B4-BE49-F238E27FC236}">
+                <a16:creationId xmlns:a16="http://schemas.microsoft.com/office/drawing/2014/main" id="{6ADD1CF8-0F1F-644C-AFC1-95D4E9D83136}"/>
+              </a:ext>
+            </a:extLst>
+          </p:cNvPr>
+          <p:cNvSpPr>
+            <a:spLocks noGrp="1"/>
+          </p:cNvSpPr>
+          <p:nvPr>
+            <p:ph type="sldNum" sz="quarter" idx="12"/>
+          </p:nvPr>
+        </p:nvSpPr>
+        <p:spPr/>
+        <p:txBody>
+          <a:bodyPr/>
+          <a:lstStyle/>
+          <a:p>
+            <a:fld id="{31DE2C5B-556E-47B8-A792-024C2FCA4ACC}" type="slidenum">
+              <a:rPr lang="en-GB" smtClean="0"/>
+              <a:t>34</a:t>
+            </a:fld>
+            <a:endParaRPr lang="en-GB"/>
           </a:p>
         </p:txBody>
       </p:sp>
@@ -13971,6 +14755,35 @@
           </a:p>
         </p:txBody>
       </p:sp>
+      <p:sp>
+        <p:nvSpPr>
+          <p:cNvPr id="5" name="Slide Number Placeholder 4">
+            <a:extLst>
+              <a:ext uri="{FF2B5EF4-FFF2-40B4-BE49-F238E27FC236}">
+                <a16:creationId xmlns:a16="http://schemas.microsoft.com/office/drawing/2014/main" id="{BB5CBB1A-28B0-4044-BF9E-137B36037CCA}"/>
+              </a:ext>
+            </a:extLst>
+          </p:cNvPr>
+          <p:cNvSpPr>
+            <a:spLocks noGrp="1"/>
+          </p:cNvSpPr>
+          <p:nvPr>
+            <p:ph type="sldNum" sz="quarter" idx="12"/>
+          </p:nvPr>
+        </p:nvSpPr>
+        <p:spPr/>
+        <p:txBody>
+          <a:bodyPr/>
+          <a:lstStyle/>
+          <a:p>
+            <a:fld id="{31DE2C5B-556E-47B8-A792-024C2FCA4ACC}" type="slidenum">
+              <a:rPr lang="en-GB" smtClean="0"/>
+              <a:t>35</a:t>
+            </a:fld>
+            <a:endParaRPr lang="en-GB"/>
+          </a:p>
+        </p:txBody>
+      </p:sp>
     </p:spTree>
     <p:extLst>
       <p:ext uri="{BB962C8B-B14F-4D97-AF65-F5344CB8AC3E}">
@@ -14198,6 +15011,35 @@
           </a:p>
         </p:txBody>
       </p:sp>
+      <p:sp>
+        <p:nvSpPr>
+          <p:cNvPr id="4" name="Slide Number Placeholder 3">
+            <a:extLst>
+              <a:ext uri="{FF2B5EF4-FFF2-40B4-BE49-F238E27FC236}">
+                <a16:creationId xmlns:a16="http://schemas.microsoft.com/office/drawing/2014/main" id="{54067CEB-06A9-884C-A3C0-4CC727DE42C9}"/>
+              </a:ext>
+            </a:extLst>
+          </p:cNvPr>
+          <p:cNvSpPr>
+            <a:spLocks noGrp="1"/>
+          </p:cNvSpPr>
+          <p:nvPr>
+            <p:ph type="sldNum" sz="quarter" idx="12"/>
+          </p:nvPr>
+        </p:nvSpPr>
+        <p:spPr/>
+        <p:txBody>
+          <a:bodyPr/>
+          <a:lstStyle/>
+          <a:p>
+            <a:fld id="{31DE2C5B-556E-47B8-A792-024C2FCA4ACC}" type="slidenum">
+              <a:rPr lang="en-GB" smtClean="0"/>
+              <a:t>36</a:t>
+            </a:fld>
+            <a:endParaRPr lang="en-GB"/>
+          </a:p>
+        </p:txBody>
+      </p:sp>
     </p:spTree>
     <p:extLst>
       <p:ext uri="{BB962C8B-B14F-4D97-AF65-F5344CB8AC3E}">
@@ -14357,6 +15199,35 @@
             <a:endParaRPr lang="en-GB" dirty="0">
               <a:latin typeface="Courier" pitchFamily="2" charset="0"/>
             </a:endParaRPr>
+          </a:p>
+        </p:txBody>
+      </p:sp>
+      <p:sp>
+        <p:nvSpPr>
+          <p:cNvPr id="4" name="Slide Number Placeholder 3">
+            <a:extLst>
+              <a:ext uri="{FF2B5EF4-FFF2-40B4-BE49-F238E27FC236}">
+                <a16:creationId xmlns:a16="http://schemas.microsoft.com/office/drawing/2014/main" id="{1539A28E-754C-D941-8D26-0B93B86AA7DD}"/>
+              </a:ext>
+            </a:extLst>
+          </p:cNvPr>
+          <p:cNvSpPr>
+            <a:spLocks noGrp="1"/>
+          </p:cNvSpPr>
+          <p:nvPr>
+            <p:ph type="sldNum" sz="quarter" idx="12"/>
+          </p:nvPr>
+        </p:nvSpPr>
+        <p:spPr/>
+        <p:txBody>
+          <a:bodyPr/>
+          <a:lstStyle/>
+          <a:p>
+            <a:fld id="{31DE2C5B-556E-47B8-A792-024C2FCA4ACC}" type="slidenum">
+              <a:rPr lang="en-GB" smtClean="0"/>
+              <a:t>37</a:t>
+            </a:fld>
+            <a:endParaRPr lang="en-GB"/>
           </a:p>
         </p:txBody>
       </p:sp>
@@ -14954,6 +15825,35 @@
           </a:p>
         </p:txBody>
       </p:sp>
+      <p:sp>
+        <p:nvSpPr>
+          <p:cNvPr id="5" name="Slide Number Placeholder 4">
+            <a:extLst>
+              <a:ext uri="{FF2B5EF4-FFF2-40B4-BE49-F238E27FC236}">
+                <a16:creationId xmlns:a16="http://schemas.microsoft.com/office/drawing/2014/main" id="{62CA700A-4107-BE4E-AE77-59669944A9C3}"/>
+              </a:ext>
+            </a:extLst>
+          </p:cNvPr>
+          <p:cNvSpPr>
+            <a:spLocks noGrp="1"/>
+          </p:cNvSpPr>
+          <p:nvPr>
+            <p:ph type="sldNum" sz="quarter" idx="12"/>
+          </p:nvPr>
+        </p:nvSpPr>
+        <p:spPr/>
+        <p:txBody>
+          <a:bodyPr/>
+          <a:lstStyle/>
+          <a:p>
+            <a:fld id="{31DE2C5B-556E-47B8-A792-024C2FCA4ACC}" type="slidenum">
+              <a:rPr lang="en-GB" smtClean="0"/>
+              <a:t>38</a:t>
+            </a:fld>
+            <a:endParaRPr lang="en-GB"/>
+          </a:p>
+        </p:txBody>
+      </p:sp>
     </p:spTree>
     <p:extLst>
       <p:ext uri="{BB962C8B-B14F-4D97-AF65-F5344CB8AC3E}">
@@ -15389,6 +16289,35 @@
             <a:endParaRPr lang="en-GB" dirty="0">
               <a:latin typeface="Courier" pitchFamily="2" charset="0"/>
             </a:endParaRPr>
+          </a:p>
+        </p:txBody>
+      </p:sp>
+      <p:sp>
+        <p:nvSpPr>
+          <p:cNvPr id="4" name="Slide Number Placeholder 3">
+            <a:extLst>
+              <a:ext uri="{FF2B5EF4-FFF2-40B4-BE49-F238E27FC236}">
+                <a16:creationId xmlns:a16="http://schemas.microsoft.com/office/drawing/2014/main" id="{7A07EAA4-B439-4A44-96C1-A2666C043A9A}"/>
+              </a:ext>
+            </a:extLst>
+          </p:cNvPr>
+          <p:cNvSpPr>
+            <a:spLocks noGrp="1"/>
+          </p:cNvSpPr>
+          <p:nvPr>
+            <p:ph type="sldNum" sz="quarter" idx="12"/>
+          </p:nvPr>
+        </p:nvSpPr>
+        <p:spPr/>
+        <p:txBody>
+          <a:bodyPr/>
+          <a:lstStyle/>
+          <a:p>
+            <a:fld id="{31DE2C5B-556E-47B8-A792-024C2FCA4ACC}" type="slidenum">
+              <a:rPr lang="en-GB" smtClean="0"/>
+              <a:t>39</a:t>
+            </a:fld>
+            <a:endParaRPr lang="en-GB"/>
           </a:p>
         </p:txBody>
       </p:sp>
@@ -17532,6 +18461,35 @@
           </a:prstGeom>
         </p:spPr>
       </p:pic>
+      <p:sp>
+        <p:nvSpPr>
+          <p:cNvPr id="3" name="Slide Number Placeholder 2">
+            <a:extLst>
+              <a:ext uri="{FF2B5EF4-FFF2-40B4-BE49-F238E27FC236}">
+                <a16:creationId xmlns:a16="http://schemas.microsoft.com/office/drawing/2014/main" id="{2EBAD2E3-60C7-9944-A1D0-DE490EFEBE22}"/>
+              </a:ext>
+            </a:extLst>
+          </p:cNvPr>
+          <p:cNvSpPr>
+            <a:spLocks noGrp="1"/>
+          </p:cNvSpPr>
+          <p:nvPr>
+            <p:ph type="sldNum" sz="quarter" idx="12"/>
+          </p:nvPr>
+        </p:nvSpPr>
+        <p:spPr/>
+        <p:txBody>
+          <a:bodyPr/>
+          <a:lstStyle/>
+          <a:p>
+            <a:fld id="{31DE2C5B-556E-47B8-A792-024C2FCA4ACC}" type="slidenum">
+              <a:rPr lang="en-GB" smtClean="0"/>
+              <a:t>4</a:t>
+            </a:fld>
+            <a:endParaRPr lang="en-GB"/>
+          </a:p>
+        </p:txBody>
+      </p:sp>
     </p:spTree>
     <p:extLst>
       <p:ext uri="{BB962C8B-B14F-4D97-AF65-F5344CB8AC3E}">
@@ -18029,6 +18987,35 @@
           </a:p>
         </p:txBody>
       </p:sp>
+      <p:sp>
+        <p:nvSpPr>
+          <p:cNvPr id="5" name="Slide Number Placeholder 4">
+            <a:extLst>
+              <a:ext uri="{FF2B5EF4-FFF2-40B4-BE49-F238E27FC236}">
+                <a16:creationId xmlns:a16="http://schemas.microsoft.com/office/drawing/2014/main" id="{0F31934B-9292-3545-B22C-116BD0563E6F}"/>
+              </a:ext>
+            </a:extLst>
+          </p:cNvPr>
+          <p:cNvSpPr>
+            <a:spLocks noGrp="1"/>
+          </p:cNvSpPr>
+          <p:nvPr>
+            <p:ph type="sldNum" sz="quarter" idx="12"/>
+          </p:nvPr>
+        </p:nvSpPr>
+        <p:spPr/>
+        <p:txBody>
+          <a:bodyPr/>
+          <a:lstStyle/>
+          <a:p>
+            <a:fld id="{31DE2C5B-556E-47B8-A792-024C2FCA4ACC}" type="slidenum">
+              <a:rPr lang="en-GB" smtClean="0"/>
+              <a:t>40</a:t>
+            </a:fld>
+            <a:endParaRPr lang="en-GB"/>
+          </a:p>
+        </p:txBody>
+      </p:sp>
     </p:spTree>
     <p:extLst>
       <p:ext uri="{BB962C8B-B14F-4D97-AF65-F5344CB8AC3E}">
@@ -18526,6 +19513,35 @@
           </a:p>
         </p:txBody>
       </p:sp>
+      <p:sp>
+        <p:nvSpPr>
+          <p:cNvPr id="4" name="Slide Number Placeholder 3">
+            <a:extLst>
+              <a:ext uri="{FF2B5EF4-FFF2-40B4-BE49-F238E27FC236}">
+                <a16:creationId xmlns:a16="http://schemas.microsoft.com/office/drawing/2014/main" id="{4578EB62-DA96-4D43-A492-B9725A1988CC}"/>
+              </a:ext>
+            </a:extLst>
+          </p:cNvPr>
+          <p:cNvSpPr>
+            <a:spLocks noGrp="1"/>
+          </p:cNvSpPr>
+          <p:nvPr>
+            <p:ph type="sldNum" sz="quarter" idx="12"/>
+          </p:nvPr>
+        </p:nvSpPr>
+        <p:spPr/>
+        <p:txBody>
+          <a:bodyPr/>
+          <a:lstStyle/>
+          <a:p>
+            <a:fld id="{31DE2C5B-556E-47B8-A792-024C2FCA4ACC}" type="slidenum">
+              <a:rPr lang="en-GB" smtClean="0"/>
+              <a:t>41</a:t>
+            </a:fld>
+            <a:endParaRPr lang="en-GB"/>
+          </a:p>
+        </p:txBody>
+      </p:sp>
     </p:spTree>
     <p:extLst>
       <p:ext uri="{BB962C8B-B14F-4D97-AF65-F5344CB8AC3E}">
@@ -18805,6 +19821,35 @@
           </a:p>
         </p:txBody>
       </p:sp>
+      <p:sp>
+        <p:nvSpPr>
+          <p:cNvPr id="4" name="Slide Number Placeholder 3">
+            <a:extLst>
+              <a:ext uri="{FF2B5EF4-FFF2-40B4-BE49-F238E27FC236}">
+                <a16:creationId xmlns:a16="http://schemas.microsoft.com/office/drawing/2014/main" id="{A2A3229E-9456-DB4A-869F-CD6789D1863A}"/>
+              </a:ext>
+            </a:extLst>
+          </p:cNvPr>
+          <p:cNvSpPr>
+            <a:spLocks noGrp="1"/>
+          </p:cNvSpPr>
+          <p:nvPr>
+            <p:ph type="sldNum" sz="quarter" idx="12"/>
+          </p:nvPr>
+        </p:nvSpPr>
+        <p:spPr/>
+        <p:txBody>
+          <a:bodyPr/>
+          <a:lstStyle/>
+          <a:p>
+            <a:fld id="{31DE2C5B-556E-47B8-A792-024C2FCA4ACC}" type="slidenum">
+              <a:rPr lang="en-GB" smtClean="0"/>
+              <a:t>42</a:t>
+            </a:fld>
+            <a:endParaRPr lang="en-GB"/>
+          </a:p>
+        </p:txBody>
+      </p:sp>
     </p:spTree>
     <p:extLst>
       <p:ext uri="{BB962C8B-B14F-4D97-AF65-F5344CB8AC3E}">
@@ -19111,6 +20156,35 @@
           </a:p>
         </p:txBody>
       </p:sp>
+      <p:sp>
+        <p:nvSpPr>
+          <p:cNvPr id="4" name="Slide Number Placeholder 3">
+            <a:extLst>
+              <a:ext uri="{FF2B5EF4-FFF2-40B4-BE49-F238E27FC236}">
+                <a16:creationId xmlns:a16="http://schemas.microsoft.com/office/drawing/2014/main" id="{9355F629-1B67-324C-8686-5C42D6964802}"/>
+              </a:ext>
+            </a:extLst>
+          </p:cNvPr>
+          <p:cNvSpPr>
+            <a:spLocks noGrp="1"/>
+          </p:cNvSpPr>
+          <p:nvPr>
+            <p:ph type="sldNum" sz="quarter" idx="12"/>
+          </p:nvPr>
+        </p:nvSpPr>
+        <p:spPr/>
+        <p:txBody>
+          <a:bodyPr/>
+          <a:lstStyle/>
+          <a:p>
+            <a:fld id="{31DE2C5B-556E-47B8-A792-024C2FCA4ACC}" type="slidenum">
+              <a:rPr lang="en-GB" smtClean="0"/>
+              <a:t>43</a:t>
+            </a:fld>
+            <a:endParaRPr lang="en-GB"/>
+          </a:p>
+        </p:txBody>
+      </p:sp>
     </p:spTree>
     <p:extLst>
       <p:ext uri="{BB962C8B-B14F-4D97-AF65-F5344CB8AC3E}">
@@ -19432,6 +20506,35 @@
             <a:endParaRPr lang="en-GB" dirty="0">
               <a:latin typeface="Courier" pitchFamily="2" charset="0"/>
             </a:endParaRPr>
+          </a:p>
+        </p:txBody>
+      </p:sp>
+      <p:sp>
+        <p:nvSpPr>
+          <p:cNvPr id="4" name="Slide Number Placeholder 3">
+            <a:extLst>
+              <a:ext uri="{FF2B5EF4-FFF2-40B4-BE49-F238E27FC236}">
+                <a16:creationId xmlns:a16="http://schemas.microsoft.com/office/drawing/2014/main" id="{06F64E72-42D0-A44A-8C6A-47BBC6B688B7}"/>
+              </a:ext>
+            </a:extLst>
+          </p:cNvPr>
+          <p:cNvSpPr>
+            <a:spLocks noGrp="1"/>
+          </p:cNvSpPr>
+          <p:nvPr>
+            <p:ph type="sldNum" sz="quarter" idx="12"/>
+          </p:nvPr>
+        </p:nvSpPr>
+        <p:spPr/>
+        <p:txBody>
+          <a:bodyPr/>
+          <a:lstStyle/>
+          <a:p>
+            <a:fld id="{31DE2C5B-556E-47B8-A792-024C2FCA4ACC}" type="slidenum">
+              <a:rPr lang="en-GB" smtClean="0"/>
+              <a:t>44</a:t>
+            </a:fld>
+            <a:endParaRPr lang="en-GB"/>
           </a:p>
         </p:txBody>
       </p:sp>
@@ -20035,6 +21138,35 @@
           </a:p>
         </p:txBody>
       </p:sp>
+      <p:sp>
+        <p:nvSpPr>
+          <p:cNvPr id="5" name="Slide Number Placeholder 4">
+            <a:extLst>
+              <a:ext uri="{FF2B5EF4-FFF2-40B4-BE49-F238E27FC236}">
+                <a16:creationId xmlns:a16="http://schemas.microsoft.com/office/drawing/2014/main" id="{F7298DC2-A3E0-0B4A-99B3-43787007E34E}"/>
+              </a:ext>
+            </a:extLst>
+          </p:cNvPr>
+          <p:cNvSpPr>
+            <a:spLocks noGrp="1"/>
+          </p:cNvSpPr>
+          <p:nvPr>
+            <p:ph type="sldNum" sz="quarter" idx="12"/>
+          </p:nvPr>
+        </p:nvSpPr>
+        <p:spPr/>
+        <p:txBody>
+          <a:bodyPr/>
+          <a:lstStyle/>
+          <a:p>
+            <a:fld id="{31DE2C5B-556E-47B8-A792-024C2FCA4ACC}" type="slidenum">
+              <a:rPr lang="en-GB" smtClean="0"/>
+              <a:t>45</a:t>
+            </a:fld>
+            <a:endParaRPr lang="en-GB"/>
+          </a:p>
+        </p:txBody>
+      </p:sp>
     </p:spTree>
     <p:extLst>
       <p:ext uri="{BB962C8B-B14F-4D97-AF65-F5344CB8AC3E}">
@@ -20262,6 +21394,35 @@
           </a:p>
         </p:txBody>
       </p:sp>
+      <p:sp>
+        <p:nvSpPr>
+          <p:cNvPr id="4" name="Slide Number Placeholder 3">
+            <a:extLst>
+              <a:ext uri="{FF2B5EF4-FFF2-40B4-BE49-F238E27FC236}">
+                <a16:creationId xmlns:a16="http://schemas.microsoft.com/office/drawing/2014/main" id="{941C4ADD-A77A-BE4A-A46E-024F2C4570EB}"/>
+              </a:ext>
+            </a:extLst>
+          </p:cNvPr>
+          <p:cNvSpPr>
+            <a:spLocks noGrp="1"/>
+          </p:cNvSpPr>
+          <p:nvPr>
+            <p:ph type="sldNum" sz="quarter" idx="12"/>
+          </p:nvPr>
+        </p:nvSpPr>
+        <p:spPr/>
+        <p:txBody>
+          <a:bodyPr/>
+          <a:lstStyle/>
+          <a:p>
+            <a:fld id="{31DE2C5B-556E-47B8-A792-024C2FCA4ACC}" type="slidenum">
+              <a:rPr lang="en-GB" smtClean="0"/>
+              <a:t>46</a:t>
+            </a:fld>
+            <a:endParaRPr lang="en-GB"/>
+          </a:p>
+        </p:txBody>
+      </p:sp>
     </p:spTree>
     <p:extLst>
       <p:ext uri="{BB962C8B-B14F-4D97-AF65-F5344CB8AC3E}">
@@ -20567,6 +21728,35 @@
           </a:p>
         </p:txBody>
       </p:sp>
+      <p:sp>
+        <p:nvSpPr>
+          <p:cNvPr id="4" name="Slide Number Placeholder 3">
+            <a:extLst>
+              <a:ext uri="{FF2B5EF4-FFF2-40B4-BE49-F238E27FC236}">
+                <a16:creationId xmlns:a16="http://schemas.microsoft.com/office/drawing/2014/main" id="{BE6BBFB8-01A1-C64D-95EA-67EC470A64E4}"/>
+              </a:ext>
+            </a:extLst>
+          </p:cNvPr>
+          <p:cNvSpPr>
+            <a:spLocks noGrp="1"/>
+          </p:cNvSpPr>
+          <p:nvPr>
+            <p:ph type="sldNum" sz="quarter" idx="12"/>
+          </p:nvPr>
+        </p:nvSpPr>
+        <p:spPr/>
+        <p:txBody>
+          <a:bodyPr/>
+          <a:lstStyle/>
+          <a:p>
+            <a:fld id="{31DE2C5B-556E-47B8-A792-024C2FCA4ACC}" type="slidenum">
+              <a:rPr lang="en-GB" smtClean="0"/>
+              <a:t>47</a:t>
+            </a:fld>
+            <a:endParaRPr lang="en-GB"/>
+          </a:p>
+        </p:txBody>
+      </p:sp>
     </p:spTree>
     <p:extLst>
       <p:ext uri="{BB962C8B-B14F-4D97-AF65-F5344CB8AC3E}">
@@ -20786,6 +21976,35 @@
           </a:p>
         </p:txBody>
       </p:sp>
+      <p:sp>
+        <p:nvSpPr>
+          <p:cNvPr id="4" name="Slide Number Placeholder 3">
+            <a:extLst>
+              <a:ext uri="{FF2B5EF4-FFF2-40B4-BE49-F238E27FC236}">
+                <a16:creationId xmlns:a16="http://schemas.microsoft.com/office/drawing/2014/main" id="{7AA564D9-769F-464F-B174-100BFDF5D748}"/>
+              </a:ext>
+            </a:extLst>
+          </p:cNvPr>
+          <p:cNvSpPr>
+            <a:spLocks noGrp="1"/>
+          </p:cNvSpPr>
+          <p:nvPr>
+            <p:ph type="sldNum" sz="quarter" idx="12"/>
+          </p:nvPr>
+        </p:nvSpPr>
+        <p:spPr/>
+        <p:txBody>
+          <a:bodyPr/>
+          <a:lstStyle/>
+          <a:p>
+            <a:fld id="{31DE2C5B-556E-47B8-A792-024C2FCA4ACC}" type="slidenum">
+              <a:rPr lang="en-GB" smtClean="0"/>
+              <a:t>48</a:t>
+            </a:fld>
+            <a:endParaRPr lang="en-GB"/>
+          </a:p>
+        </p:txBody>
+      </p:sp>
     </p:spTree>
     <p:extLst>
       <p:ext uri="{BB962C8B-B14F-4D97-AF65-F5344CB8AC3E}">
@@ -20935,6 +22154,35 @@
           </a:p>
         </p:txBody>
       </p:sp>
+      <p:sp>
+        <p:nvSpPr>
+          <p:cNvPr id="4" name="Slide Number Placeholder 3">
+            <a:extLst>
+              <a:ext uri="{FF2B5EF4-FFF2-40B4-BE49-F238E27FC236}">
+                <a16:creationId xmlns:a16="http://schemas.microsoft.com/office/drawing/2014/main" id="{FF0C64B7-ED53-EB41-85A6-FB85D4421DC4}"/>
+              </a:ext>
+            </a:extLst>
+          </p:cNvPr>
+          <p:cNvSpPr>
+            <a:spLocks noGrp="1"/>
+          </p:cNvSpPr>
+          <p:nvPr>
+            <p:ph type="sldNum" sz="quarter" idx="12"/>
+          </p:nvPr>
+        </p:nvSpPr>
+        <p:spPr/>
+        <p:txBody>
+          <a:bodyPr/>
+          <a:lstStyle/>
+          <a:p>
+            <a:fld id="{31DE2C5B-556E-47B8-A792-024C2FCA4ACC}" type="slidenum">
+              <a:rPr lang="en-GB" smtClean="0"/>
+              <a:t>49</a:t>
+            </a:fld>
+            <a:endParaRPr lang="en-GB"/>
+          </a:p>
+        </p:txBody>
+      </p:sp>
     </p:spTree>
     <p:extLst>
       <p:ext uri="{BB962C8B-B14F-4D97-AF65-F5344CB8AC3E}">
@@ -21153,6 +22401,35 @@
           </a:p>
         </p:txBody>
       </p:sp>
+      <p:sp>
+        <p:nvSpPr>
+          <p:cNvPr id="4" name="Slide Number Placeholder 3">
+            <a:extLst>
+              <a:ext uri="{FF2B5EF4-FFF2-40B4-BE49-F238E27FC236}">
+                <a16:creationId xmlns:a16="http://schemas.microsoft.com/office/drawing/2014/main" id="{2D27B8B9-D4F5-7745-B179-D7C2ECF10E9F}"/>
+              </a:ext>
+            </a:extLst>
+          </p:cNvPr>
+          <p:cNvSpPr>
+            <a:spLocks noGrp="1"/>
+          </p:cNvSpPr>
+          <p:nvPr>
+            <p:ph type="sldNum" sz="quarter" idx="12"/>
+          </p:nvPr>
+        </p:nvSpPr>
+        <p:spPr/>
+        <p:txBody>
+          <a:bodyPr/>
+          <a:lstStyle/>
+          <a:p>
+            <a:fld id="{31DE2C5B-556E-47B8-A792-024C2FCA4ACC}" type="slidenum">
+              <a:rPr lang="en-GB" smtClean="0"/>
+              <a:t>5</a:t>
+            </a:fld>
+            <a:endParaRPr lang="en-GB"/>
+          </a:p>
+        </p:txBody>
+      </p:sp>
     </p:spTree>
     <p:extLst>
       <p:ext uri="{BB962C8B-B14F-4D97-AF65-F5344CB8AC3E}">
@@ -21390,6 +22667,35 @@
           </a:p>
         </p:txBody>
       </p:sp>
+      <p:sp>
+        <p:nvSpPr>
+          <p:cNvPr id="4" name="Slide Number Placeholder 3">
+            <a:extLst>
+              <a:ext uri="{FF2B5EF4-FFF2-40B4-BE49-F238E27FC236}">
+                <a16:creationId xmlns:a16="http://schemas.microsoft.com/office/drawing/2014/main" id="{9337211E-CEC3-3B47-A1E4-55C2D8FAF15C}"/>
+              </a:ext>
+            </a:extLst>
+          </p:cNvPr>
+          <p:cNvSpPr>
+            <a:spLocks noGrp="1"/>
+          </p:cNvSpPr>
+          <p:nvPr>
+            <p:ph type="sldNum" sz="quarter" idx="12"/>
+          </p:nvPr>
+        </p:nvSpPr>
+        <p:spPr/>
+        <p:txBody>
+          <a:bodyPr/>
+          <a:lstStyle/>
+          <a:p>
+            <a:fld id="{31DE2C5B-556E-47B8-A792-024C2FCA4ACC}" type="slidenum">
+              <a:rPr lang="en-GB" smtClean="0"/>
+              <a:t>50</a:t>
+            </a:fld>
+            <a:endParaRPr lang="en-GB"/>
+          </a:p>
+        </p:txBody>
+      </p:sp>
     </p:spTree>
     <p:extLst>
       <p:ext uri="{BB962C8B-B14F-4D97-AF65-F5344CB8AC3E}">
@@ -21506,6 +22812,35 @@
           </a:p>
         </p:txBody>
       </p:sp>
+      <p:sp>
+        <p:nvSpPr>
+          <p:cNvPr id="4" name="Slide Number Placeholder 3">
+            <a:extLst>
+              <a:ext uri="{FF2B5EF4-FFF2-40B4-BE49-F238E27FC236}">
+                <a16:creationId xmlns:a16="http://schemas.microsoft.com/office/drawing/2014/main" id="{84ECCF83-49B6-674C-B48C-4BE775945C02}"/>
+              </a:ext>
+            </a:extLst>
+          </p:cNvPr>
+          <p:cNvSpPr>
+            <a:spLocks noGrp="1"/>
+          </p:cNvSpPr>
+          <p:nvPr>
+            <p:ph type="sldNum" sz="quarter" idx="12"/>
+          </p:nvPr>
+        </p:nvSpPr>
+        <p:spPr/>
+        <p:txBody>
+          <a:bodyPr/>
+          <a:lstStyle/>
+          <a:p>
+            <a:fld id="{31DE2C5B-556E-47B8-A792-024C2FCA4ACC}" type="slidenum">
+              <a:rPr lang="en-GB" smtClean="0"/>
+              <a:t>51</a:t>
+            </a:fld>
+            <a:endParaRPr lang="en-GB"/>
+          </a:p>
+        </p:txBody>
+      </p:sp>
     </p:spTree>
     <p:extLst>
       <p:ext uri="{BB962C8B-B14F-4D97-AF65-F5344CB8AC3E}">
@@ -21723,6 +23058,35 @@
           </a:p>
         </p:txBody>
       </p:sp>
+      <p:sp>
+        <p:nvSpPr>
+          <p:cNvPr id="4" name="Slide Number Placeholder 3">
+            <a:extLst>
+              <a:ext uri="{FF2B5EF4-FFF2-40B4-BE49-F238E27FC236}">
+                <a16:creationId xmlns:a16="http://schemas.microsoft.com/office/drawing/2014/main" id="{D0B96D8A-3784-9146-ACA7-128FB64CA8C8}"/>
+              </a:ext>
+            </a:extLst>
+          </p:cNvPr>
+          <p:cNvSpPr>
+            <a:spLocks noGrp="1"/>
+          </p:cNvSpPr>
+          <p:nvPr>
+            <p:ph type="sldNum" sz="quarter" idx="12"/>
+          </p:nvPr>
+        </p:nvSpPr>
+        <p:spPr/>
+        <p:txBody>
+          <a:bodyPr/>
+          <a:lstStyle/>
+          <a:p>
+            <a:fld id="{31DE2C5B-556E-47B8-A792-024C2FCA4ACC}" type="slidenum">
+              <a:rPr lang="en-GB" smtClean="0"/>
+              <a:t>52</a:t>
+            </a:fld>
+            <a:endParaRPr lang="en-GB"/>
+          </a:p>
+        </p:txBody>
+      </p:sp>
     </p:spTree>
     <p:extLst>
       <p:ext uri="{BB962C8B-B14F-4D97-AF65-F5344CB8AC3E}">
@@ -21870,6 +23234,35 @@
           </a:p>
         </p:txBody>
       </p:sp>
+      <p:sp>
+        <p:nvSpPr>
+          <p:cNvPr id="4" name="Slide Number Placeholder 3">
+            <a:extLst>
+              <a:ext uri="{FF2B5EF4-FFF2-40B4-BE49-F238E27FC236}">
+                <a16:creationId xmlns:a16="http://schemas.microsoft.com/office/drawing/2014/main" id="{DDDB54FB-56E8-B246-AB08-A8920E24B127}"/>
+              </a:ext>
+            </a:extLst>
+          </p:cNvPr>
+          <p:cNvSpPr>
+            <a:spLocks noGrp="1"/>
+          </p:cNvSpPr>
+          <p:nvPr>
+            <p:ph type="sldNum" sz="quarter" idx="12"/>
+          </p:nvPr>
+        </p:nvSpPr>
+        <p:spPr/>
+        <p:txBody>
+          <a:bodyPr/>
+          <a:lstStyle/>
+          <a:p>
+            <a:fld id="{31DE2C5B-556E-47B8-A792-024C2FCA4ACC}" type="slidenum">
+              <a:rPr lang="en-GB" smtClean="0"/>
+              <a:t>53</a:t>
+            </a:fld>
+            <a:endParaRPr lang="en-GB"/>
+          </a:p>
+        </p:txBody>
+      </p:sp>
     </p:spTree>
     <p:extLst>
       <p:ext uri="{BB962C8B-B14F-4D97-AF65-F5344CB8AC3E}">
@@ -21965,7 +23358,7 @@
             <a:pPr lvl="1"/>
             <a:r>
               <a:rPr lang="en-IT" dirty="0"/>
-              <a:t>Dart is a object-oriented, open source, and reactive language</a:t>
+              <a:t>Dart is a object-oriented, open source language</a:t>
             </a:r>
           </a:p>
           <a:p>
@@ -22071,6 +23464,35 @@
           </a:prstGeom>
         </p:spPr>
       </p:pic>
+      <p:sp>
+        <p:nvSpPr>
+          <p:cNvPr id="4" name="Slide Number Placeholder 3">
+            <a:extLst>
+              <a:ext uri="{FF2B5EF4-FFF2-40B4-BE49-F238E27FC236}">
+                <a16:creationId xmlns:a16="http://schemas.microsoft.com/office/drawing/2014/main" id="{8781255F-8B2C-9F49-BF4E-C33D297DED47}"/>
+              </a:ext>
+            </a:extLst>
+          </p:cNvPr>
+          <p:cNvSpPr>
+            <a:spLocks noGrp="1"/>
+          </p:cNvSpPr>
+          <p:nvPr>
+            <p:ph type="sldNum" sz="quarter" idx="12"/>
+          </p:nvPr>
+        </p:nvSpPr>
+        <p:spPr/>
+        <p:txBody>
+          <a:bodyPr/>
+          <a:lstStyle/>
+          <a:p>
+            <a:fld id="{31DE2C5B-556E-47B8-A792-024C2FCA4ACC}" type="slidenum">
+              <a:rPr lang="en-GB" smtClean="0"/>
+              <a:t>6</a:t>
+            </a:fld>
+            <a:endParaRPr lang="en-GB"/>
+          </a:p>
+        </p:txBody>
+      </p:sp>
     </p:spTree>
     <p:extLst>
       <p:ext uri="{BB962C8B-B14F-4D97-AF65-F5344CB8AC3E}">
@@ -22530,6 +23952,35 @@
           </a:p>
         </p:txBody>
       </p:sp>
+      <p:sp>
+        <p:nvSpPr>
+          <p:cNvPr id="4" name="Slide Number Placeholder 3">
+            <a:extLst>
+              <a:ext uri="{FF2B5EF4-FFF2-40B4-BE49-F238E27FC236}">
+                <a16:creationId xmlns:a16="http://schemas.microsoft.com/office/drawing/2014/main" id="{455DAB93-AFC3-B14E-A0C4-4E8E1C670323}"/>
+              </a:ext>
+            </a:extLst>
+          </p:cNvPr>
+          <p:cNvSpPr>
+            <a:spLocks noGrp="1"/>
+          </p:cNvSpPr>
+          <p:nvPr>
+            <p:ph type="sldNum" sz="quarter" idx="12"/>
+          </p:nvPr>
+        </p:nvSpPr>
+        <p:spPr/>
+        <p:txBody>
+          <a:bodyPr/>
+          <a:lstStyle/>
+          <a:p>
+            <a:fld id="{31DE2C5B-556E-47B8-A792-024C2FCA4ACC}" type="slidenum">
+              <a:rPr lang="en-GB" smtClean="0"/>
+              <a:t>7</a:t>
+            </a:fld>
+            <a:endParaRPr lang="en-GB"/>
+          </a:p>
+        </p:txBody>
+      </p:sp>
     </p:spTree>
     <p:extLst>
       <p:ext uri="{BB962C8B-B14F-4D97-AF65-F5344CB8AC3E}">
@@ -22743,6 +24194,35 @@
           </a:prstGeom>
         </p:spPr>
       </p:pic>
+      <p:sp>
+        <p:nvSpPr>
+          <p:cNvPr id="4" name="Slide Number Placeholder 3">
+            <a:extLst>
+              <a:ext uri="{FF2B5EF4-FFF2-40B4-BE49-F238E27FC236}">
+                <a16:creationId xmlns:a16="http://schemas.microsoft.com/office/drawing/2014/main" id="{1573ADB8-3B0F-F84B-AA01-6DC29C0A6B64}"/>
+              </a:ext>
+            </a:extLst>
+          </p:cNvPr>
+          <p:cNvSpPr>
+            <a:spLocks noGrp="1"/>
+          </p:cNvSpPr>
+          <p:nvPr>
+            <p:ph type="sldNum" sz="quarter" idx="12"/>
+          </p:nvPr>
+        </p:nvSpPr>
+        <p:spPr/>
+        <p:txBody>
+          <a:bodyPr/>
+          <a:lstStyle/>
+          <a:p>
+            <a:fld id="{31DE2C5B-556E-47B8-A792-024C2FCA4ACC}" type="slidenum">
+              <a:rPr lang="en-GB" smtClean="0"/>
+              <a:t>8</a:t>
+            </a:fld>
+            <a:endParaRPr lang="en-GB"/>
+          </a:p>
+        </p:txBody>
+      </p:sp>
     </p:spTree>
     <p:extLst>
       <p:ext uri="{BB962C8B-B14F-4D97-AF65-F5344CB8AC3E}">
@@ -22819,8 +24299,8 @@
         </p:nvSpPr>
         <p:spPr>
           <a:xfrm>
-            <a:off x="428171" y="1361167"/>
-            <a:ext cx="8101679" cy="5334907"/>
+            <a:off x="312426" y="1214728"/>
+            <a:ext cx="5949480" cy="5334907"/>
           </a:xfrm>
         </p:spPr>
         <p:txBody>
@@ -22844,10 +24324,24 @@
           <a:p>
             <a:pPr lvl="1"/>
             <a:r>
+              <a:rPr lang="en-GB" dirty="0">
+                <a:latin typeface="Courier" pitchFamily="2" charset="0"/>
+                <a:ea typeface="Palatino" pitchFamily="2" charset="77"/>
+              </a:rPr>
+              <a:t>m</a:t>
+            </a:r>
+            <a:r>
+              <a:rPr lang="en-IT" dirty="0">
+                <a:latin typeface="Courier" pitchFamily="2" charset="0"/>
+                <a:ea typeface="Palatino" pitchFamily="2" charset="77"/>
+              </a:rPr>
+              <a:t>ain </a:t>
+            </a:r>
+            <a:r>
               <a:rPr lang="en-IT" dirty="0">
                 <a:ea typeface="Palatino" pitchFamily="2" charset="77"/>
               </a:rPr>
-              <a:t>Very JAVA-like</a:t>
+              <a:t>is the starting point</a:t>
             </a:r>
           </a:p>
           <a:p>
@@ -22859,13 +24353,43 @@
           <a:p>
             <a:pPr lvl="1"/>
             <a:r>
+              <a:rPr lang="en-GB" dirty="0">
+                <a:latin typeface="Courier" pitchFamily="2" charset="0"/>
+                <a:ea typeface="Palatino" pitchFamily="2" charset="77"/>
+              </a:rPr>
+              <a:t>m</a:t>
+            </a:r>
+            <a:r>
+              <a:rPr lang="en-IT" dirty="0">
+                <a:latin typeface="Courier" pitchFamily="2" charset="0"/>
+                <a:ea typeface="Palatino" pitchFamily="2" charset="77"/>
+              </a:rPr>
+              <a:t>ain </a:t>
+            </a:r>
+            <a:r>
               <a:rPr lang="en-IT" dirty="0">
                 <a:ea typeface="Palatino" pitchFamily="2" charset="77"/>
               </a:rPr>
-              <a:t>; is necessary at the EOL</a:t>
-            </a:r>
-          </a:p>
-          <a:p>
+              <a:t>is a function an accepts a </a:t>
+            </a:r>
+            <a:r>
+              <a:rPr lang="en-IT" dirty="0">
+                <a:latin typeface="Courier" pitchFamily="2" charset="0"/>
+                <a:ea typeface="Palatino" pitchFamily="2" charset="77"/>
+              </a:rPr>
+              <a:t>List</a:t>
+            </a:r>
+            <a:r>
+              <a:rPr lang="en-IT" dirty="0">
+                <a:ea typeface="Palatino" pitchFamily="2" charset="77"/>
+              </a:rPr>
+              <a:t> of strings</a:t>
+            </a:r>
+          </a:p>
+          <a:p>
+            <a:pPr marL="457200" lvl="1" indent="0">
+              <a:buNone/>
+            </a:pPr>
             <a:endParaRPr lang="en-IT" dirty="0">
               <a:ea typeface="Palatino" pitchFamily="2" charset="77"/>
             </a:endParaRPr>
@@ -22876,18 +24400,10 @@
               <a:rPr lang="en-IT" dirty="0">
                 <a:ea typeface="Palatino" pitchFamily="2" charset="77"/>
               </a:rPr>
-              <a:t>It all starts from a </a:t>
-            </a:r>
-            <a:r>
-              <a:rPr lang="en-IT" dirty="0">
-                <a:latin typeface="Courier" pitchFamily="2" charset="0"/>
-                <a:ea typeface="Palatino" pitchFamily="2" charset="77"/>
-              </a:rPr>
-              <a:t>main</a:t>
-            </a:r>
-          </a:p>
-          <a:p>
-            <a:pPr lvl="1"/>
+              <a:t>; is necessary at the EOL</a:t>
+            </a:r>
+          </a:p>
+          <a:p>
             <a:endParaRPr lang="en-IT" dirty="0">
               <a:ea typeface="Palatino" pitchFamily="2" charset="77"/>
             </a:endParaRPr>
@@ -22895,41 +24411,23 @@
           <a:p>
             <a:pPr lvl="1"/>
             <a:r>
-              <a:rPr lang="en-GB" dirty="0">
-                <a:latin typeface="Courier" pitchFamily="2" charset="0"/>
-                <a:ea typeface="Palatino" pitchFamily="2" charset="77"/>
-              </a:rPr>
-              <a:t>m</a:t>
-            </a:r>
-            <a:r>
-              <a:rPr lang="en-IT" dirty="0">
-                <a:latin typeface="Courier" pitchFamily="2" charset="0"/>
-                <a:ea typeface="Palatino" pitchFamily="2" charset="77"/>
-              </a:rPr>
-              <a:t>ain </a:t>
-            </a:r>
-            <a:r>
               <a:rPr lang="en-IT" dirty="0">
                 <a:ea typeface="Palatino" pitchFamily="2" charset="77"/>
               </a:rPr>
-              <a:t>accepts a </a:t>
+              <a:t>It all starts from a </a:t>
             </a:r>
             <a:r>
               <a:rPr lang="en-IT" dirty="0">
                 <a:latin typeface="Courier" pitchFamily="2" charset="0"/>
                 <a:ea typeface="Palatino" pitchFamily="2" charset="77"/>
               </a:rPr>
-              <a:t>List</a:t>
-            </a:r>
-            <a:r>
-              <a:rPr lang="en-IT" dirty="0">
-                <a:ea typeface="Palatino" pitchFamily="2" charset="77"/>
-              </a:rPr>
-              <a:t> of strings</a:t>
-            </a:r>
-          </a:p>
-          <a:p>
-            <a:pPr lvl="1"/>
+              <a:t>main</a:t>
+            </a:r>
+          </a:p>
+          <a:p>
+            <a:pPr marL="457200" lvl="1" indent="0">
+              <a:buNone/>
+            </a:pPr>
             <a:endParaRPr lang="en-IT" dirty="0">
               <a:ea typeface="Palatino" pitchFamily="2" charset="77"/>
             </a:endParaRPr>
@@ -23013,8 +24511,8 @@
         </p:blipFill>
         <p:spPr>
           <a:xfrm>
-            <a:off x="5385645" y="1458601"/>
-            <a:ext cx="6410841" cy="2559218"/>
+            <a:off x="6093585" y="2055278"/>
+            <a:ext cx="5702901" cy="2276607"/>
           </a:xfrm>
           <a:prstGeom prst="rect">
             <a:avLst/>
@@ -23243,6 +24741,35 @@
               </a:rPr>
               <a:t>Full example in lab_02-dart_101_part_1/01-hello_world.dart</a:t>
             </a:r>
+          </a:p>
+        </p:txBody>
+      </p:sp>
+      <p:sp>
+        <p:nvSpPr>
+          <p:cNvPr id="4" name="Slide Number Placeholder 3">
+            <a:extLst>
+              <a:ext uri="{FF2B5EF4-FFF2-40B4-BE49-F238E27FC236}">
+                <a16:creationId xmlns:a16="http://schemas.microsoft.com/office/drawing/2014/main" id="{1C09FA88-A3C8-C340-BEBF-1E93CC20B119}"/>
+              </a:ext>
+            </a:extLst>
+          </p:cNvPr>
+          <p:cNvSpPr>
+            <a:spLocks noGrp="1"/>
+          </p:cNvSpPr>
+          <p:nvPr>
+            <p:ph type="sldNum" sz="quarter" idx="12"/>
+          </p:nvPr>
+        </p:nvSpPr>
+        <p:spPr/>
+        <p:txBody>
+          <a:bodyPr/>
+          <a:lstStyle/>
+          <a:p>
+            <a:fld id="{31DE2C5B-556E-47B8-A792-024C2FCA4ACC}" type="slidenum">
+              <a:rPr lang="en-GB" smtClean="0"/>
+              <a:t>9</a:t>
+            </a:fld>
+            <a:endParaRPr lang="en-GB"/>
           </a:p>
         </p:txBody>
       </p:sp>

--- a/lab_02-dart_101_part_1/lab_02-dart_101_part_1.pptx
+++ b/lab_02-dart_101_part_1/lab_02-dart_101_part_1.pptx
@@ -249,7 +249,7 @@
           <a:p>
             <a:fld id="{81C4B3FE-0320-8142-8396-5C3025C019EC}" type="datetimeFigureOut">
               <a:rPr lang="en-IT" smtClean="0"/>
-              <a:t>07/03/22</a:t>
+              <a:t>08/03/22</a:t>
             </a:fld>
             <a:endParaRPr lang="en-IT"/>
           </a:p>
@@ -14479,7 +14479,7 @@
               <a:rPr lang="en-GB" dirty="0">
                 <a:latin typeface="Courier" pitchFamily="2" charset="0"/>
               </a:rPr>
-              <a:t>  print(c is double); //This will print 'false'</a:t>
+              <a:t>  print(c is double); //This will print ‘true'</a:t>
             </a:r>
           </a:p>
           <a:p>
@@ -14490,8 +14490,17 @@
               <a:rPr lang="en-GB" dirty="0">
                 <a:latin typeface="Courier" pitchFamily="2" charset="0"/>
               </a:rPr>
-              <a:t>  print(c is! double); //This will print 'true’</a:t>
-            </a:r>
+              <a:t>  print(c is! double); //This will print </a:t>
+            </a:r>
+            <a:r>
+              <a:rPr lang="en-GB">
+                <a:latin typeface="Courier" pitchFamily="2" charset="0"/>
+              </a:rPr>
+              <a:t>‘false’</a:t>
+            </a:r>
+            <a:endParaRPr lang="en-GB" dirty="0">
+              <a:latin typeface="Courier" pitchFamily="2" charset="0"/>
+            </a:endParaRPr>
           </a:p>
           <a:p>
             <a:pPr marL="0" indent="0">

--- a/lab_02-dart_101_part_1/lab_02-dart_101_part_1.pptx
+++ b/lab_02-dart_101_part_1/lab_02-dart_101_part_1.pptx
@@ -11134,6 +11134,104 @@
           </a:p>
         </p:txBody>
       </p:sp>
+      <p:sp>
+        <p:nvSpPr>
+          <p:cNvPr id="5" name="TextBox 4">
+            <a:extLst>
+              <a:ext uri="{FF2B5EF4-FFF2-40B4-BE49-F238E27FC236}">
+                <a16:creationId xmlns:a16="http://schemas.microsoft.com/office/drawing/2014/main" id="{0783BA23-86A5-DD48-B239-C5779607A38F}"/>
+              </a:ext>
+            </a:extLst>
+          </p:cNvPr>
+          <p:cNvSpPr txBox="1"/>
+          <p:nvPr/>
+        </p:nvSpPr>
+        <p:spPr>
+          <a:xfrm>
+            <a:off x="10230098" y="5496833"/>
+            <a:ext cx="1265382" cy="369332"/>
+          </a:xfrm>
+          <a:prstGeom prst="rect">
+            <a:avLst/>
+          </a:prstGeom>
+        </p:spPr>
+        <p:style>
+          <a:lnRef idx="2">
+            <a:schemeClr val="accent6">
+              <a:shade val="50000"/>
+            </a:schemeClr>
+          </a:lnRef>
+          <a:fillRef idx="1">
+            <a:schemeClr val="accent6"/>
+          </a:fillRef>
+          <a:effectRef idx="0">
+            <a:schemeClr val="accent6"/>
+          </a:effectRef>
+          <a:fontRef idx="minor">
+            <a:schemeClr val="lt1"/>
+          </a:fontRef>
+        </p:style>
+        <p:txBody>
+          <a:bodyPr wrap="square" rtlCol="0" anchor="ctr">
+            <a:spAutoFit/>
+          </a:bodyPr>
+          <a:lstStyle/>
+          <a:p>
+            <a:pPr algn="ctr"/>
+            <a:r>
+              <a:rPr lang="en-IT" dirty="0">
+                <a:latin typeface="Palatino Linotype" panose="02040502050505030304" pitchFamily="18" charset="0"/>
+                <a:ea typeface="Palatino" pitchFamily="2" charset="77"/>
+              </a:rPr>
+              <a:t>BONUS</a:t>
+            </a:r>
+          </a:p>
+        </p:txBody>
+      </p:sp>
+      <p:sp>
+        <p:nvSpPr>
+          <p:cNvPr id="6" name="Right Brace 5">
+            <a:extLst>
+              <a:ext uri="{FF2B5EF4-FFF2-40B4-BE49-F238E27FC236}">
+                <a16:creationId xmlns:a16="http://schemas.microsoft.com/office/drawing/2014/main" id="{0D43009F-3693-774D-A515-4BD9FAD13149}"/>
+              </a:ext>
+            </a:extLst>
+          </p:cNvPr>
+          <p:cNvSpPr/>
+          <p:nvPr/>
+        </p:nvSpPr>
+        <p:spPr>
+          <a:xfrm>
+            <a:off x="9818255" y="4959927"/>
+            <a:ext cx="230909" cy="1496291"/>
+          </a:xfrm>
+          <a:prstGeom prst="rightBrace">
+            <a:avLst/>
+          </a:prstGeom>
+        </p:spPr>
+        <p:style>
+          <a:lnRef idx="1">
+            <a:schemeClr val="accent6"/>
+          </a:lnRef>
+          <a:fillRef idx="0">
+            <a:schemeClr val="accent6"/>
+          </a:fillRef>
+          <a:effectRef idx="0">
+            <a:schemeClr val="accent6"/>
+          </a:effectRef>
+          <a:fontRef idx="minor">
+            <a:schemeClr val="tx1"/>
+          </a:fontRef>
+        </p:style>
+        <p:txBody>
+          <a:bodyPr rtlCol="0" anchor="ctr"/>
+          <a:lstStyle/>
+          <a:p>
+            <a:pPr algn="ctr"/>
+            <a:endParaRPr lang="en-IT"/>
+          </a:p>
+        </p:txBody>
+      </p:sp>
     </p:spTree>
     <p:extLst>
       <p:ext uri="{BB962C8B-B14F-4D97-AF65-F5344CB8AC3E}">
@@ -12435,6 +12533,60 @@
               <a:t>28</a:t>
             </a:fld>
             <a:endParaRPr lang="en-GB"/>
+          </a:p>
+        </p:txBody>
+      </p:sp>
+      <p:sp>
+        <p:nvSpPr>
+          <p:cNvPr id="6" name="TextBox 5">
+            <a:extLst>
+              <a:ext uri="{FF2B5EF4-FFF2-40B4-BE49-F238E27FC236}">
+                <a16:creationId xmlns:a16="http://schemas.microsoft.com/office/drawing/2014/main" id="{5F6EE5A3-3796-3A40-A78A-318869DC824A}"/>
+              </a:ext>
+            </a:extLst>
+          </p:cNvPr>
+          <p:cNvSpPr txBox="1"/>
+          <p:nvPr/>
+        </p:nvSpPr>
+        <p:spPr>
+          <a:xfrm>
+            <a:off x="10714179" y="407381"/>
+            <a:ext cx="1265382" cy="369332"/>
+          </a:xfrm>
+          <a:prstGeom prst="rect">
+            <a:avLst/>
+          </a:prstGeom>
+        </p:spPr>
+        <p:style>
+          <a:lnRef idx="2">
+            <a:schemeClr val="accent6">
+              <a:shade val="50000"/>
+            </a:schemeClr>
+          </a:lnRef>
+          <a:fillRef idx="1">
+            <a:schemeClr val="accent6"/>
+          </a:fillRef>
+          <a:effectRef idx="0">
+            <a:schemeClr val="accent6"/>
+          </a:effectRef>
+          <a:fontRef idx="minor">
+            <a:schemeClr val="lt1"/>
+          </a:fontRef>
+        </p:style>
+        <p:txBody>
+          <a:bodyPr wrap="square" rtlCol="0" anchor="ctr">
+            <a:spAutoFit/>
+          </a:bodyPr>
+          <a:lstStyle/>
+          <a:p>
+            <a:pPr algn="ctr"/>
+            <a:r>
+              <a:rPr lang="en-IT" dirty="0">
+                <a:latin typeface="Palatino Linotype" panose="02040502050505030304" pitchFamily="18" charset="0"/>
+                <a:ea typeface="Palatino" pitchFamily="2" charset="77"/>
+              </a:rPr>
+              <a:t>BONUS</a:t>
+            </a:r>
           </a:p>
         </p:txBody>
       </p:sp>

--- a/lab_02-dart_101_part_1/lab_02-dart_101_part_1.pptx
+++ b/lab_02-dart_101_part_1/lab_02-dart_101_part_1.pptx
@@ -249,7 +249,7 @@
           <a:p>
             <a:fld id="{81C4B3FE-0320-8142-8396-5C3025C019EC}" type="datetimeFigureOut">
               <a:rPr lang="en-IT" smtClean="0"/>
-              <a:t>08/03/22</a:t>
+              <a:t>15/11/22</a:t>
             </a:fld>
             <a:endParaRPr lang="en-IT"/>
           </a:p>
@@ -4586,7 +4586,7 @@
             </a:pPr>
             <a:r>
               <a:rPr lang="it-IT" sz="2800" dirty="0"/>
-              <a:t>A.Y. 2021-2022</a:t>
+              <a:t>A.Y. 2022-2023</a:t>
             </a:r>
           </a:p>
         </p:txBody>
@@ -8849,6 +8849,12 @@
           <a:p>
             <a:endParaRPr lang="en-IT" dirty="0"/>
           </a:p>
+          <a:p>
+            <a:r>
+              <a:rPr lang="en-IT" b="1" dirty="0"/>
+              <a:t>Advice: It is highly recommended to setup your own PC!</a:t>
+            </a:r>
+          </a:p>
         </p:txBody>
       </p:sp>
       <p:sp>
@@ -11131,104 +11137,6 @@
               <a:t>25</a:t>
             </a:fld>
             <a:endParaRPr lang="en-GB"/>
-          </a:p>
-        </p:txBody>
-      </p:sp>
-      <p:sp>
-        <p:nvSpPr>
-          <p:cNvPr id="5" name="TextBox 4">
-            <a:extLst>
-              <a:ext uri="{FF2B5EF4-FFF2-40B4-BE49-F238E27FC236}">
-                <a16:creationId xmlns:a16="http://schemas.microsoft.com/office/drawing/2014/main" id="{0783BA23-86A5-DD48-B239-C5779607A38F}"/>
-              </a:ext>
-            </a:extLst>
-          </p:cNvPr>
-          <p:cNvSpPr txBox="1"/>
-          <p:nvPr/>
-        </p:nvSpPr>
-        <p:spPr>
-          <a:xfrm>
-            <a:off x="10230098" y="5496833"/>
-            <a:ext cx="1265382" cy="369332"/>
-          </a:xfrm>
-          <a:prstGeom prst="rect">
-            <a:avLst/>
-          </a:prstGeom>
-        </p:spPr>
-        <p:style>
-          <a:lnRef idx="2">
-            <a:schemeClr val="accent6">
-              <a:shade val="50000"/>
-            </a:schemeClr>
-          </a:lnRef>
-          <a:fillRef idx="1">
-            <a:schemeClr val="accent6"/>
-          </a:fillRef>
-          <a:effectRef idx="0">
-            <a:schemeClr val="accent6"/>
-          </a:effectRef>
-          <a:fontRef idx="minor">
-            <a:schemeClr val="lt1"/>
-          </a:fontRef>
-        </p:style>
-        <p:txBody>
-          <a:bodyPr wrap="square" rtlCol="0" anchor="ctr">
-            <a:spAutoFit/>
-          </a:bodyPr>
-          <a:lstStyle/>
-          <a:p>
-            <a:pPr algn="ctr"/>
-            <a:r>
-              <a:rPr lang="en-IT" dirty="0">
-                <a:latin typeface="Palatino Linotype" panose="02040502050505030304" pitchFamily="18" charset="0"/>
-                <a:ea typeface="Palatino" pitchFamily="2" charset="77"/>
-              </a:rPr>
-              <a:t>BONUS</a:t>
-            </a:r>
-          </a:p>
-        </p:txBody>
-      </p:sp>
-      <p:sp>
-        <p:nvSpPr>
-          <p:cNvPr id="6" name="Right Brace 5">
-            <a:extLst>
-              <a:ext uri="{FF2B5EF4-FFF2-40B4-BE49-F238E27FC236}">
-                <a16:creationId xmlns:a16="http://schemas.microsoft.com/office/drawing/2014/main" id="{0D43009F-3693-774D-A515-4BD9FAD13149}"/>
-              </a:ext>
-            </a:extLst>
-          </p:cNvPr>
-          <p:cNvSpPr/>
-          <p:nvPr/>
-        </p:nvSpPr>
-        <p:spPr>
-          <a:xfrm>
-            <a:off x="9818255" y="4959927"/>
-            <a:ext cx="230909" cy="1496291"/>
-          </a:xfrm>
-          <a:prstGeom prst="rightBrace">
-            <a:avLst/>
-          </a:prstGeom>
-        </p:spPr>
-        <p:style>
-          <a:lnRef idx="1">
-            <a:schemeClr val="accent6"/>
-          </a:lnRef>
-          <a:fillRef idx="0">
-            <a:schemeClr val="accent6"/>
-          </a:fillRef>
-          <a:effectRef idx="0">
-            <a:schemeClr val="accent6"/>
-          </a:effectRef>
-          <a:fontRef idx="minor">
-            <a:schemeClr val="tx1"/>
-          </a:fontRef>
-        </p:style>
-        <p:txBody>
-          <a:bodyPr rtlCol="0" anchor="ctr"/>
-          <a:lstStyle/>
-          <a:p>
-            <a:pPr algn="ctr"/>
-            <a:endParaRPr lang="en-IT"/>
           </a:p>
         </p:txBody>
       </p:sp>

--- a/lab_02-dart_101_part_1/lab_02-dart_101_part_1.pptx
+++ b/lab_02-dart_101_part_1/lab_02-dart_101_part_1.pptx
@@ -5,7 +5,7 @@
     <p:sldMasterId id="2147483648" r:id="rId1"/>
   </p:sldMasterIdLst>
   <p:notesMasterIdLst>
-    <p:notesMasterId r:id="rId53"/>
+    <p:notesMasterId r:id="rId52"/>
   </p:notesMasterIdLst>
   <p:sldIdLst>
     <p:sldId id="259" r:id="rId2"/>
@@ -58,7 +58,6 @@
     <p:sldId id="341" r:id="rId49"/>
     <p:sldId id="353" r:id="rId50"/>
     <p:sldId id="312" r:id="rId51"/>
-    <p:sldId id="372" r:id="rId52"/>
   </p:sldIdLst>
   <p:sldSz cx="12192000" cy="6858000"/>
   <p:notesSz cx="6858000" cy="9144000"/>
@@ -250,7 +249,7 @@
           <a:p>
             <a:fld id="{81C4B3FE-0320-8142-8396-5C3025C019EC}" type="datetimeFigureOut">
               <a:rPr lang="en-IT" smtClean="0"/>
-              <a:t>07/03/23</a:t>
+              <a:t>1/30/24</a:t>
             </a:fld>
             <a:endParaRPr lang="en-IT"/>
           </a:p>
@@ -4419,7 +4418,7 @@
             </a:pPr>
             <a:r>
               <a:rPr lang="it-IT" sz="2800" dirty="0"/>
-              <a:t>A.Y. 2022-2023</a:t>
+              <a:t>A.Y. 2023-2024</a:t>
             </a:r>
           </a:p>
         </p:txBody>
@@ -7614,8 +7613,8 @@
         </p:nvSpPr>
         <p:spPr>
           <a:xfrm>
-            <a:off x="428171" y="1361167"/>
-            <a:ext cx="10766302" cy="5334907"/>
+            <a:off x="428170" y="1361167"/>
+            <a:ext cx="11158087" cy="5334907"/>
           </a:xfrm>
         </p:spPr>
         <p:txBody>
@@ -7699,7 +7698,7 @@
               <a:rPr lang="en-GB" dirty="0">
                 <a:latin typeface="Courier" pitchFamily="2" charset="0"/>
               </a:rPr>
-              <a:t> == </a:t>
+              <a:t> != </a:t>
             </a:r>
             <a:r>
               <a:rPr lang="en-GB" dirty="0" err="1">
@@ -7711,7 +7710,7 @@
               <a:rPr lang="en-GB" dirty="0">
                 <a:latin typeface="Courier" pitchFamily="2" charset="0"/>
               </a:rPr>
-              <a:t>);</a:t>
+              <a:t>); //However they are not equal!</a:t>
             </a:r>
           </a:p>
           <a:p>
@@ -8295,7 +8294,7 @@
               <a:rPr lang="en-GB" dirty="0">
                 <a:latin typeface="Courier" pitchFamily="2" charset="0"/>
               </a:rPr>
-              <a:t> == </a:t>
+              <a:t> != </a:t>
             </a:r>
             <a:r>
               <a:rPr lang="en-GB" dirty="0" err="1">
@@ -8307,7 +8306,7 @@
               <a:rPr lang="en-GB" dirty="0">
                 <a:latin typeface="Courier" pitchFamily="2" charset="0"/>
               </a:rPr>
-              <a:t>);</a:t>
+              <a:t>); //Again they are not equal!</a:t>
             </a:r>
           </a:p>
           <a:p>
@@ -19477,7 +19476,7 @@
           <a:p>
             <a:r>
               <a:rPr lang="en-GB" dirty="0"/>
-              <a:t>(Try to) Do all the exercises</a:t>
+              <a:t>(At least try to) Do all the exercises</a:t>
             </a:r>
           </a:p>
           <a:p>
@@ -20190,183 +20189,6 @@
     <p:extLst>
       <p:ext uri="{BB962C8B-B14F-4D97-AF65-F5344CB8AC3E}">
         <p14:creationId xmlns:p14="http://schemas.microsoft.com/office/powerpoint/2010/main" val="56632690"/>
-      </p:ext>
-    </p:extLst>
-  </p:cSld>
-  <p:clrMapOvr>
-    <a:masterClrMapping/>
-  </p:clrMapOvr>
-</p:sld>
-</file>
-
-<file path=ppt/slides/slide51.xml><?xml version="1.0" encoding="utf-8"?>
-<p:sld xmlns:a="http://schemas.openxmlformats.org/drawingml/2006/main" xmlns:r="http://schemas.openxmlformats.org/officeDocument/2006/relationships" xmlns:p="http://schemas.openxmlformats.org/presentationml/2006/main">
-  <p:cSld>
-    <p:spTree>
-      <p:nvGrpSpPr>
-        <p:cNvPr id="1" name=""/>
-        <p:cNvGrpSpPr/>
-        <p:nvPr/>
-      </p:nvGrpSpPr>
-      <p:grpSpPr>
-        <a:xfrm>
-          <a:off x="0" y="0"/>
-          <a:ext cx="0" cy="0"/>
-          <a:chOff x="0" y="0"/>
-          <a:chExt cx="0" cy="0"/>
-        </a:xfrm>
-      </p:grpSpPr>
-      <p:sp>
-        <p:nvSpPr>
-          <p:cNvPr id="2" name="Title 1">
-            <a:extLst>
-              <a:ext uri="{FF2B5EF4-FFF2-40B4-BE49-F238E27FC236}">
-                <a16:creationId xmlns:a16="http://schemas.microsoft.com/office/drawing/2014/main" id="{122C1E14-0610-FB4E-BCD3-3BA8CADF9D02}"/>
-              </a:ext>
-            </a:extLst>
-          </p:cNvPr>
-          <p:cNvSpPr>
-            <a:spLocks noGrp="1"/>
-          </p:cNvSpPr>
-          <p:nvPr>
-            <p:ph type="title"/>
-          </p:nvPr>
-        </p:nvSpPr>
-        <p:spPr/>
-        <p:txBody>
-          <a:bodyPr/>
-          <a:lstStyle/>
-          <a:p>
-            <a:r>
-              <a:rPr lang="en-IT" dirty="0"/>
-              <a:t>Resources: Tutoring activity</a:t>
-            </a:r>
-          </a:p>
-        </p:txBody>
-      </p:sp>
-      <p:sp>
-        <p:nvSpPr>
-          <p:cNvPr id="4" name="Slide Number Placeholder 3">
-            <a:extLst>
-              <a:ext uri="{FF2B5EF4-FFF2-40B4-BE49-F238E27FC236}">
-                <a16:creationId xmlns:a16="http://schemas.microsoft.com/office/drawing/2014/main" id="{DDDB54FB-56E8-B246-AB08-A8920E24B127}"/>
-              </a:ext>
-            </a:extLst>
-          </p:cNvPr>
-          <p:cNvSpPr>
-            <a:spLocks noGrp="1"/>
-          </p:cNvSpPr>
-          <p:nvPr>
-            <p:ph type="sldNum" sz="quarter" idx="12"/>
-          </p:nvPr>
-        </p:nvSpPr>
-        <p:spPr/>
-        <p:txBody>
-          <a:bodyPr/>
-          <a:lstStyle/>
-          <a:p>
-            <a:fld id="{31DE2C5B-556E-47B8-A792-024C2FCA4ACC}" type="slidenum">
-              <a:rPr lang="en-GB" smtClean="0"/>
-              <a:t>51</a:t>
-            </a:fld>
-            <a:endParaRPr lang="en-GB"/>
-          </a:p>
-        </p:txBody>
-      </p:sp>
-      <p:sp>
-        <p:nvSpPr>
-          <p:cNvPr id="5" name="TextBox 4">
-            <a:extLst>
-              <a:ext uri="{FF2B5EF4-FFF2-40B4-BE49-F238E27FC236}">
-                <a16:creationId xmlns:a16="http://schemas.microsoft.com/office/drawing/2014/main" id="{3C2776B9-AB7B-740B-F532-DB0624F4534D}"/>
-              </a:ext>
-            </a:extLst>
-          </p:cNvPr>
-          <p:cNvSpPr txBox="1"/>
-          <p:nvPr/>
-        </p:nvSpPr>
-        <p:spPr>
-          <a:xfrm>
-            <a:off x="9670179" y="361215"/>
-            <a:ext cx="1265382" cy="461665"/>
-          </a:xfrm>
-          <a:prstGeom prst="rect">
-            <a:avLst/>
-          </a:prstGeom>
-        </p:spPr>
-        <p:style>
-          <a:lnRef idx="2">
-            <a:schemeClr val="accent6">
-              <a:shade val="50000"/>
-            </a:schemeClr>
-          </a:lnRef>
-          <a:fillRef idx="1">
-            <a:schemeClr val="accent6"/>
-          </a:fillRef>
-          <a:effectRef idx="0">
-            <a:schemeClr val="accent6"/>
-          </a:effectRef>
-          <a:fontRef idx="minor">
-            <a:schemeClr val="lt1"/>
-          </a:fontRef>
-        </p:style>
-        <p:txBody>
-          <a:bodyPr wrap="square" rtlCol="0" anchor="ctr">
-            <a:spAutoFit/>
-          </a:bodyPr>
-          <a:lstStyle/>
-          <a:p>
-            <a:pPr algn="ctr"/>
-            <a:r>
-              <a:rPr lang="en-IT" sz="2400" dirty="0">
-                <a:latin typeface="Palatino Linotype" panose="02040502050505030304" pitchFamily="18" charset="0"/>
-                <a:ea typeface="Palatino" pitchFamily="2" charset="77"/>
-              </a:rPr>
-              <a:t>NEW!</a:t>
-            </a:r>
-          </a:p>
-        </p:txBody>
-      </p:sp>
-      <p:pic>
-        <p:nvPicPr>
-          <p:cNvPr id="7" name="Picture 6" descr="Table&#10;&#10;Description automatically generated">
-            <a:extLst>
-              <a:ext uri="{FF2B5EF4-FFF2-40B4-BE49-F238E27FC236}">
-                <a16:creationId xmlns:a16="http://schemas.microsoft.com/office/drawing/2014/main" id="{F509AB9E-841C-2448-4DA8-7FD5C8EA8098}"/>
-              </a:ext>
-            </a:extLst>
-          </p:cNvPr>
-          <p:cNvPicPr>
-            <a:picLocks noChangeAspect="1"/>
-          </p:cNvPicPr>
-          <p:nvPr/>
-        </p:nvPicPr>
-        <p:blipFill>
-          <a:blip r:embed="rId2">
-            <a:extLst>
-              <a:ext uri="{28A0092B-C50C-407E-A947-70E740481C1C}">
-                <a14:useLocalDpi xmlns:a14="http://schemas.microsoft.com/office/drawing/2010/main" val="0"/>
-              </a:ext>
-            </a:extLst>
-          </a:blip>
-          <a:stretch>
-            <a:fillRect/>
-          </a:stretch>
-        </p:blipFill>
-        <p:spPr>
-          <a:xfrm>
-            <a:off x="1799523" y="1612800"/>
-            <a:ext cx="9136038" cy="3926806"/>
-          </a:xfrm>
-          <a:prstGeom prst="rect">
-            <a:avLst/>
-          </a:prstGeom>
-        </p:spPr>
-      </p:pic>
-    </p:spTree>
-    <p:extLst>
-      <p:ext uri="{BB962C8B-B14F-4D97-AF65-F5344CB8AC3E}">
-        <p14:creationId xmlns:p14="http://schemas.microsoft.com/office/powerpoint/2010/main" val="1223338940"/>
       </p:ext>
     </p:extLst>
   </p:cSld>

--- a/lab_02-dart_101_part_1/lab_02-dart_101_part_1.pptx
+++ b/lab_02-dart_101_part_1/lab_02-dart_101_part_1.pptx
@@ -249,7 +249,7 @@
           <a:p>
             <a:fld id="{81C4B3FE-0320-8142-8396-5C3025C019EC}" type="datetimeFigureOut">
               <a:rPr lang="en-IT" smtClean="0"/>
-              <a:t>1/30/24</a:t>
+              <a:t>3/5/24</a:t>
             </a:fld>
             <a:endParaRPr lang="en-IT"/>
           </a:p>
@@ -7027,7 +7027,7 @@
           <a:p>
             <a:r>
               <a:rPr lang="en-GB" dirty="0"/>
-              <a:t>As we saw, it is possible to interpolate an expression inside a String using </a:t>
+              <a:t>It is possible to interpolate an expression inside a String using </a:t>
             </a:r>
             <a:r>
               <a:rPr lang="en-GB" dirty="0">
@@ -7954,12 +7954,16 @@
           <a:lstStyle/>
           <a:p>
             <a:r>
-              <a:rPr lang="en-GB"/>
-              <a:t>List - M</a:t>
+              <a:rPr lang="en-GB" dirty="0"/>
+              <a:t>List - m</a:t>
+            </a:r>
+            <a:r>
+              <a:rPr lang="en-IT"/>
+              <a:t>ap</a:t>
             </a:r>
             <a:r>
               <a:rPr lang="en-IT" dirty="0"/>
-              <a:t>ap() method</a:t>
+              <a:t>() method</a:t>
             </a:r>
           </a:p>
         </p:txBody>
@@ -8004,7 +8008,7 @@
             </a:r>
             <a:r>
               <a:rPr lang="en-GB" dirty="0"/>
-              <a:t> type is expressed by the </a:t>
+              <a:t> type is the </a:t>
             </a:r>
             <a:r>
               <a:rPr lang="en-GB" dirty="0">

--- a/lab_02-dart_101_part_1/lab_02-dart_101_part_1.pptx
+++ b/lab_02-dart_101_part_1/lab_02-dart_101_part_1.pptx
@@ -249,7 +249,7 @@
           <a:p>
             <a:fld id="{81C4B3FE-0320-8142-8396-5C3025C019EC}" type="datetimeFigureOut">
               <a:rPr lang="en-IT" smtClean="0"/>
-              <a:t>3/5/24</a:t>
+              <a:t>2/11/25</a:t>
             </a:fld>
             <a:endParaRPr lang="en-IT"/>
           </a:p>
@@ -4155,7 +4155,9 @@
           <a:lstStyle>
             <a:lvl1pPr marL="0" indent="0" algn="ctr">
               <a:buNone/>
-              <a:defRPr sz="4800" b="1"/>
+              <a:defRPr sz="4800" b="1">
+                <a:latin typeface="Aptos" panose="020B0004020202020204" pitchFamily="34" charset="0"/>
+              </a:defRPr>
             </a:lvl1pPr>
             <a:lvl2pPr marL="457200" indent="0" algn="ctr">
               <a:buNone/>
@@ -4241,7 +4243,9 @@
           <a:lstStyle/>
           <a:p>
             <a:pPr algn="ctr"/>
-            <a:endParaRPr lang="en-GB" dirty="0"/>
+            <a:endParaRPr lang="en-GB" dirty="0">
+              <a:latin typeface="Aptos" panose="020B0004020202020204" pitchFamily="34" charset="0"/>
+            </a:endParaRPr>
           </a:p>
         </p:txBody>
       </p:sp>
@@ -4291,7 +4295,9 @@
           <a:lstStyle/>
           <a:p>
             <a:pPr algn="ctr"/>
-            <a:endParaRPr lang="en-GB" dirty="0"/>
+            <a:endParaRPr lang="en-GB" dirty="0">
+              <a:latin typeface="Aptos" panose="020B0004020202020204" pitchFamily="34" charset="0"/>
+            </a:endParaRPr>
           </a:p>
         </p:txBody>
       </p:sp>
@@ -4337,36 +4343,52 @@
           </a:lstStyle>
           <a:p>
             <a:r>
-              <a:rPr lang="it-IT" sz="2800" b="0" dirty="0" err="1"/>
+              <a:rPr lang="it-IT" sz="2800" b="0" dirty="0" err="1">
+                <a:latin typeface="Aptos" panose="020B0004020202020204" pitchFamily="34" charset="0"/>
+              </a:rPr>
               <a:t>Biomedical</a:t>
             </a:r>
             <a:r>
-              <a:rPr lang="it-IT" sz="2800" b="0" dirty="0"/>
+              <a:rPr lang="it-IT" sz="2800" b="0" dirty="0">
+                <a:latin typeface="Aptos" panose="020B0004020202020204" pitchFamily="34" charset="0"/>
+              </a:rPr>
               <a:t> </a:t>
             </a:r>
             <a:r>
-              <a:rPr lang="it-IT" sz="2800" b="0" dirty="0" err="1"/>
+              <a:rPr lang="it-IT" sz="2800" b="0" dirty="0" err="1">
+                <a:latin typeface="Aptos" panose="020B0004020202020204" pitchFamily="34" charset="0"/>
+              </a:rPr>
               <a:t>Wearable</a:t>
             </a:r>
             <a:r>
-              <a:rPr lang="it-IT" sz="2800" b="0" dirty="0"/>
+              <a:rPr lang="it-IT" sz="2800" b="0" dirty="0">
+                <a:latin typeface="Aptos" panose="020B0004020202020204" pitchFamily="34" charset="0"/>
+              </a:rPr>
               <a:t> Technologies </a:t>
             </a:r>
           </a:p>
           <a:p>
             <a:r>
-              <a:rPr lang="it-IT" sz="2800" b="0" dirty="0"/>
+              <a:rPr lang="it-IT" sz="2800" b="0" dirty="0">
+                <a:latin typeface="Aptos" panose="020B0004020202020204" pitchFamily="34" charset="0"/>
+              </a:rPr>
               <a:t>for Healthcare and </a:t>
             </a:r>
             <a:r>
-              <a:rPr lang="it-IT" sz="2800" b="0" dirty="0" err="1"/>
+              <a:rPr lang="it-IT" sz="2800" b="0" dirty="0" err="1">
+                <a:latin typeface="Aptos" panose="020B0004020202020204" pitchFamily="34" charset="0"/>
+              </a:rPr>
               <a:t>Wellbeing</a:t>
             </a:r>
             <a:r>
-              <a:rPr lang="it-IT" sz="2800" b="0" dirty="0"/>
+              <a:rPr lang="it-IT" sz="2800" b="0" dirty="0">
+                <a:latin typeface="Aptos" panose="020B0004020202020204" pitchFamily="34" charset="0"/>
+              </a:rPr>
               <a:t>  </a:t>
             </a:r>
-            <a:endParaRPr lang="en-GB" sz="2800" b="0" dirty="0"/>
+            <a:endParaRPr lang="en-GB" sz="2800" b="0" dirty="0">
+              <a:latin typeface="Aptos" panose="020B0004020202020204" pitchFamily="34" charset="0"/>
+            </a:endParaRPr>
           </a:p>
         </p:txBody>
       </p:sp>
@@ -4417,8 +4439,10 @@
               </a:spcAft>
             </a:pPr>
             <a:r>
-              <a:rPr lang="it-IT" sz="2800" dirty="0"/>
-              <a:t>A.Y. 2023-2024</a:t>
+              <a:rPr lang="it-IT" sz="2800" dirty="0">
+                <a:latin typeface="Aptos" panose="020B0004020202020204" pitchFamily="34" charset="0"/>
+              </a:rPr>
+              <a:t>A.Y. 2024-2025</a:t>
             </a:r>
           </a:p>
         </p:txBody>
@@ -4457,7 +4481,7 @@
                 <a:effectLst/>
                 <a:uLnTx/>
                 <a:uFillTx/>
-                <a:latin typeface="Palatino Linotype" panose="02040502050505030304" pitchFamily="18" charset="0"/>
+                <a:latin typeface="Aptos" panose="020B0004020202020204" pitchFamily="34" charset="0"/>
                 <a:ea typeface="+mj-ea"/>
                 <a:cs typeface="+mj-cs"/>
               </a:rPr>
@@ -4474,7 +4498,7 @@
                 <a:effectLst/>
                 <a:uLnTx/>
                 <a:uFillTx/>
-                <a:latin typeface="Palatino Linotype" panose="02040502050505030304" pitchFamily="18" charset="0"/>
+                <a:latin typeface="Aptos" panose="020B0004020202020204" pitchFamily="34" charset="0"/>
                 <a:ea typeface="+mj-ea"/>
                 <a:cs typeface="+mj-cs"/>
               </a:rPr>
@@ -4491,7 +4515,7 @@
                 <a:effectLst/>
                 <a:uLnTx/>
                 <a:uFillTx/>
-                <a:latin typeface="Palatino Linotype" panose="02040502050505030304" pitchFamily="18" charset="0"/>
+                <a:latin typeface="Aptos" panose="020B0004020202020204" pitchFamily="34" charset="0"/>
                 <a:ea typeface="+mj-ea"/>
                 <a:cs typeface="+mj-cs"/>
               </a:rPr>
@@ -4507,7 +4531,7 @@
                 <a:effectLst/>
                 <a:uLnTx/>
                 <a:uFillTx/>
-                <a:latin typeface="Palatino Linotype" panose="02040502050505030304" pitchFamily="18" charset="0"/>
+                <a:latin typeface="Aptos" panose="020B0004020202020204" pitchFamily="34" charset="0"/>
                 <a:ea typeface="+mj-ea"/>
                 <a:cs typeface="+mj-cs"/>
               </a:rPr>
@@ -4524,7 +4548,7 @@
                 <a:effectLst/>
                 <a:uLnTx/>
                 <a:uFillTx/>
-                <a:latin typeface="Palatino Linotype" panose="02040502050505030304" pitchFamily="18" charset="0"/>
+                <a:latin typeface="Aptos" panose="020B0004020202020204" pitchFamily="34" charset="0"/>
                 <a:ea typeface="+mj-ea"/>
                 <a:cs typeface="+mj-cs"/>
               </a:rPr>
@@ -4541,13 +4565,15 @@
                 <a:effectLst/>
                 <a:uLnTx/>
                 <a:uFillTx/>
-                <a:latin typeface="Palatino Linotype" panose="02040502050505030304" pitchFamily="18" charset="0"/>
+                <a:latin typeface="Aptos" panose="020B0004020202020204" pitchFamily="34" charset="0"/>
                 <a:ea typeface="+mj-ea"/>
                 <a:cs typeface="+mj-cs"/>
               </a:rPr>
               <a:t>Engineering</a:t>
             </a:r>
-            <a:endParaRPr lang="en-GB" sz="1100" cap="small" baseline="0" dirty="0"/>
+            <a:endParaRPr lang="en-GB" sz="1100" cap="small" baseline="0" dirty="0">
+              <a:latin typeface="Aptos" panose="020B0004020202020204" pitchFamily="34" charset="0"/>
+            </a:endParaRPr>
           </a:p>
         </p:txBody>
       </p:sp>
@@ -4657,7 +4683,9 @@
           </a:bodyPr>
           <a:lstStyle>
             <a:lvl1pPr>
-              <a:defRPr sz="3200"/>
+              <a:defRPr sz="3200">
+                <a:latin typeface="Aptos" panose="020B0004020202020204" pitchFamily="34" charset="0"/>
+              </a:defRPr>
             </a:lvl1pPr>
           </a:lstStyle>
           <a:p>
@@ -5057,12 +5085,14 @@
                     <a:tint val="75000"/>
                   </a:schemeClr>
                 </a:solidFill>
+                <a:latin typeface="Aptos" panose="020B0004020202020204" pitchFamily="34" charset="0"/>
               </a:defRPr>
             </a:lvl1pPr>
           </a:lstStyle>
           <a:p>
             <a:fld id="{31DE2C5B-556E-47B8-A792-024C2FCA4ACC}" type="slidenum">
               <a:rPr lang="en-GB" smtClean="0"/>
+              <a:pPr/>
               <a:t>‹#›</a:t>
             </a:fld>
             <a:endParaRPr lang="en-GB"/>
@@ -5098,7 +5128,7 @@
           <a:solidFill>
             <a:schemeClr val="tx1"/>
           </a:solidFill>
-          <a:latin typeface="Palatino Linotype" panose="02040502050505030304" pitchFamily="18" charset="0"/>
+          <a:latin typeface="Aptos" panose="020B0004020202020204" pitchFamily="34" charset="0"/>
           <a:ea typeface="+mj-ea"/>
           <a:cs typeface="+mj-cs"/>
         </a:defRPr>
@@ -5121,7 +5151,7 @@
           <a:solidFill>
             <a:schemeClr val="tx1"/>
           </a:solidFill>
-          <a:latin typeface="Palatino Linotype" panose="02040502050505030304" pitchFamily="18" charset="0"/>
+          <a:latin typeface="Aptos" panose="020B0004020202020204" pitchFamily="34" charset="0"/>
           <a:ea typeface="+mn-ea"/>
           <a:cs typeface="+mn-cs"/>
         </a:defRPr>
@@ -5142,7 +5172,7 @@
           <a:solidFill>
             <a:schemeClr val="tx1"/>
           </a:solidFill>
-          <a:latin typeface="Palatino Linotype" panose="02040502050505030304" pitchFamily="18" charset="0"/>
+          <a:latin typeface="Aptos" panose="020B0004020202020204" pitchFamily="34" charset="0"/>
           <a:ea typeface="+mn-ea"/>
           <a:cs typeface="+mn-cs"/>
         </a:defRPr>
@@ -5163,7 +5193,7 @@
           <a:solidFill>
             <a:schemeClr val="tx1"/>
           </a:solidFill>
-          <a:latin typeface="Palatino Linotype" panose="02040502050505030304" pitchFamily="18" charset="0"/>
+          <a:latin typeface="Aptos" panose="020B0004020202020204" pitchFamily="34" charset="0"/>
           <a:ea typeface="+mn-ea"/>
           <a:cs typeface="+mn-cs"/>
         </a:defRPr>
@@ -5184,7 +5214,7 @@
           <a:solidFill>
             <a:schemeClr val="tx1"/>
           </a:solidFill>
-          <a:latin typeface="Palatino Linotype" panose="02040502050505030304" pitchFamily="18" charset="0"/>
+          <a:latin typeface="Aptos" panose="020B0004020202020204" pitchFamily="34" charset="0"/>
           <a:ea typeface="+mn-ea"/>
           <a:cs typeface="+mn-cs"/>
         </a:defRPr>
@@ -5205,7 +5235,7 @@
           <a:solidFill>
             <a:schemeClr val="tx1"/>
           </a:solidFill>
-          <a:latin typeface="Palatino Linotype" panose="02040502050505030304" pitchFamily="18" charset="0"/>
+          <a:latin typeface="Aptos" panose="020B0004020202020204" pitchFamily="34" charset="0"/>
           <a:ea typeface="+mn-ea"/>
           <a:cs typeface="+mn-cs"/>
         </a:defRPr>
@@ -5840,6 +5870,7 @@
             </a:pPr>
             <a:r>
               <a:rPr lang="en-IT" sz="1600" dirty="0">
+                <a:latin typeface="Aptos" panose="020B0004020202020204" pitchFamily="34" charset="0"/>
                 <a:ea typeface="Palatino" pitchFamily="2" charset="77"/>
               </a:rPr>
               <a:t>Full example in lab_02-dart_101_part_1/03-null_safety.dart</a:t>
@@ -6579,12 +6610,14 @@
             </a:pPr>
             <a:r>
               <a:rPr lang="en-IT" sz="1600" b="1" dirty="0">
+                <a:latin typeface="Aptos" panose="020B0004020202020204" pitchFamily="34" charset="0"/>
                 <a:ea typeface="Palatino" pitchFamily="2" charset="77"/>
               </a:rPr>
               <a:t>Note</a:t>
             </a:r>
             <a:r>
               <a:rPr lang="en-IT" sz="1600" dirty="0">
+                <a:latin typeface="Aptos" panose="020B0004020202020204" pitchFamily="34" charset="0"/>
                 <a:ea typeface="Palatino" pitchFamily="2" charset="77"/>
               </a:rPr>
               <a:t>: No need to memorize these numbers!	</a:t>
@@ -8652,6 +8685,7 @@
             </a:pPr>
             <a:r>
               <a:rPr lang="en-IT" sz="1600" dirty="0">
+                <a:latin typeface="Aptos" panose="020B0004020202020204" pitchFamily="34" charset="0"/>
                 <a:ea typeface="Palatino" pitchFamily="2" charset="77"/>
               </a:rPr>
               <a:t>Full example in lab_02-dart_101_part_1/04-built_in_types.dart</a:t>
@@ -11283,6 +11317,7 @@
             </a:pPr>
             <a:r>
               <a:rPr lang="en-IT" sz="1600" dirty="0">
+                <a:latin typeface="Aptos" panose="020B0004020202020204" pitchFamily="34" charset="0"/>
                 <a:ea typeface="Palatino" pitchFamily="2" charset="77"/>
               </a:rPr>
               <a:t>Full example in lab_02-dart_101_part_1/05-functions.dart</a:t>
@@ -11365,7 +11400,7 @@
             <a:pPr algn="ctr"/>
             <a:r>
               <a:rPr lang="en-IT" dirty="0">
-                <a:latin typeface="Palatino Linotype" panose="02040502050505030304" pitchFamily="18" charset="0"/>
+                <a:latin typeface="Aptos" panose="020B0004020202020204" pitchFamily="34" charset="0"/>
                 <a:ea typeface="Palatino" pitchFamily="2" charset="77"/>
               </a:rPr>
               <a:t>BONUS</a:t>
@@ -13664,6 +13699,7 @@
             </a:pPr>
             <a:r>
               <a:rPr lang="en-IT" sz="1600" dirty="0">
+                <a:latin typeface="Aptos" panose="020B0004020202020204" pitchFamily="34" charset="0"/>
                 <a:ea typeface="Palatino" pitchFamily="2" charset="77"/>
               </a:rPr>
               <a:t>Full example in lab_02-dart_101_part_1/06-operators.dart</a:t>
@@ -15709,16 +15745,29 @@
             </a:pPr>
             <a:r>
               <a:rPr lang="en-IT" sz="1600" b="1" dirty="0">
+                <a:latin typeface="Aptos" panose="020B0004020202020204" pitchFamily="34" charset="0"/>
                 <a:ea typeface="Palatino" pitchFamily="2" charset="77"/>
               </a:rPr>
               <a:t>Note:</a:t>
             </a:r>
             <a:r>
               <a:rPr lang="en-IT" sz="1600" dirty="0">
+                <a:latin typeface="Aptos" panose="020B0004020202020204" pitchFamily="34" charset="0"/>
                 <a:ea typeface="Palatino" pitchFamily="2" charset="77"/>
               </a:rPr>
-              <a:t> Use for over while when you know how many iterations are needed!</a:t>
-            </a:r>
+              <a:t> Use for over while when you know how many iterations </a:t>
+            </a:r>
+            <a:r>
+              <a:rPr lang="en-IT" sz="1600">
+                <a:latin typeface="Aptos" panose="020B0004020202020204" pitchFamily="34" charset="0"/>
+                <a:ea typeface="Palatino" pitchFamily="2" charset="77"/>
+              </a:rPr>
+              <a:t>are needed</a:t>
+            </a:r>
+            <a:endParaRPr lang="en-IT" sz="1600" dirty="0">
+              <a:latin typeface="Aptos" panose="020B0004020202020204" pitchFamily="34" charset="0"/>
+              <a:ea typeface="Palatino" pitchFamily="2" charset="77"/>
+            </a:endParaRPr>
           </a:p>
         </p:txBody>
       </p:sp>
@@ -16235,16 +16284,29 @@
             </a:pPr>
             <a:r>
               <a:rPr lang="en-IT" sz="1600" b="1" dirty="0">
+                <a:latin typeface="Aptos" panose="020B0004020202020204" pitchFamily="34" charset="0"/>
                 <a:ea typeface="Palatino" pitchFamily="2" charset="77"/>
               </a:rPr>
               <a:t>Note:</a:t>
             </a:r>
             <a:r>
               <a:rPr lang="en-IT" sz="1600" dirty="0">
+                <a:latin typeface="Aptos" panose="020B0004020202020204" pitchFamily="34" charset="0"/>
                 <a:ea typeface="Palatino" pitchFamily="2" charset="77"/>
               </a:rPr>
-              <a:t> Use for over do-while when you know how many iterations are needed!</a:t>
-            </a:r>
+              <a:t> Use for over do-while when you know how many iterations </a:t>
+            </a:r>
+            <a:r>
+              <a:rPr lang="en-IT" sz="1600">
+                <a:latin typeface="Aptos" panose="020B0004020202020204" pitchFamily="34" charset="0"/>
+                <a:ea typeface="Palatino" pitchFamily="2" charset="77"/>
+              </a:rPr>
+              <a:t>are needed</a:t>
+            </a:r>
+            <a:endParaRPr lang="en-IT" sz="1600" dirty="0">
+              <a:latin typeface="Aptos" panose="020B0004020202020204" pitchFamily="34" charset="0"/>
+              <a:ea typeface="Palatino" pitchFamily="2" charset="77"/>
+            </a:endParaRPr>
           </a:p>
         </p:txBody>
       </p:sp>
@@ -18103,6 +18165,7 @@
             </a:pPr>
             <a:r>
               <a:rPr lang="en-IT" sz="1600" dirty="0">
+                <a:latin typeface="Aptos" panose="020B0004020202020204" pitchFamily="34" charset="0"/>
                 <a:ea typeface="Palatino" pitchFamily="2" charset="77"/>
               </a:rPr>
               <a:t>Full example in lab_02-dart_101_part_1/07-control_flow.dart</a:t>
@@ -20703,6 +20766,7 @@
             </a:pPr>
             <a:r>
               <a:rPr lang="en-IT" sz="1600" dirty="0">
+                <a:latin typeface="Aptos" panose="020B0004020202020204" pitchFamily="34" charset="0"/>
                 <a:ea typeface="Palatino" pitchFamily="2" charset="77"/>
               </a:rPr>
               <a:t>Full example in lab_02-dart_101_part_1/01-hello_world.dart</a:t>
@@ -21413,6 +21477,7 @@
             </a:pPr>
             <a:r>
               <a:rPr lang="en-IT" sz="1600" dirty="0">
+                <a:latin typeface="Aptos" panose="020B0004020202020204" pitchFamily="34" charset="0"/>
                 <a:ea typeface="Palatino" pitchFamily="2" charset="77"/>
               </a:rPr>
               <a:t>Full example in lab_02-dart_101_part_1/02-variables.dart</a:t>
